--- a/Modules.pptx
+++ b/Modules.pptx
@@ -5,19 +5,20 @@
     <p:sldMasterId id="2147483648" r:id="rId1"/>
   </p:sldMasterIdLst>
   <p:sldIdLst>
-    <p:sldId id="256" r:id="rId2"/>
-    <p:sldId id="257" r:id="rId3"/>
-    <p:sldId id="258" r:id="rId4"/>
-    <p:sldId id="259" r:id="rId5"/>
-    <p:sldId id="260" r:id="rId6"/>
-    <p:sldId id="261" r:id="rId7"/>
-    <p:sldId id="264" r:id="rId8"/>
-    <p:sldId id="265" r:id="rId9"/>
-    <p:sldId id="262" r:id="rId10"/>
-    <p:sldId id="263" r:id="rId11"/>
-    <p:sldId id="266" r:id="rId12"/>
-    <p:sldId id="267" r:id="rId13"/>
-    <p:sldId id="268" r:id="rId14"/>
+    <p:sldId id="269" r:id="rId2"/>
+    <p:sldId id="256" r:id="rId3"/>
+    <p:sldId id="257" r:id="rId4"/>
+    <p:sldId id="258" r:id="rId5"/>
+    <p:sldId id="259" r:id="rId6"/>
+    <p:sldId id="260" r:id="rId7"/>
+    <p:sldId id="261" r:id="rId8"/>
+    <p:sldId id="264" r:id="rId9"/>
+    <p:sldId id="265" r:id="rId10"/>
+    <p:sldId id="262" r:id="rId11"/>
+    <p:sldId id="263" r:id="rId12"/>
+    <p:sldId id="266" r:id="rId13"/>
+    <p:sldId id="267" r:id="rId14"/>
+    <p:sldId id="268" r:id="rId15"/>
   </p:sldIdLst>
   <p:sldSz cx="9144000" cy="6858000" type="screen4x3"/>
   <p:notesSz cx="6858000" cy="9144000"/>
@@ -301,7 +302,7 @@
             <a:fld id="{317F4910-1E94-4DFA-A6CC-6B6ADDB12107}" type="datetimeFigureOut">
               <a:rPr lang="he-IL" smtClean="0"/>
               <a:pPr/>
-              <a:t>י"ג/אב/תשע"ג</a:t>
+              <a:t>י"ד/אב/תשע"ג</a:t>
             </a:fld>
             <a:endParaRPr lang="he-IL"/>
           </a:p>
@@ -468,7 +469,7 @@
             <a:fld id="{317F4910-1E94-4DFA-A6CC-6B6ADDB12107}" type="datetimeFigureOut">
               <a:rPr lang="he-IL" smtClean="0"/>
               <a:pPr/>
-              <a:t>י"ג/אב/תשע"ג</a:t>
+              <a:t>י"ד/אב/תשע"ג</a:t>
             </a:fld>
             <a:endParaRPr lang="he-IL"/>
           </a:p>
@@ -645,7 +646,7 @@
             <a:fld id="{317F4910-1E94-4DFA-A6CC-6B6ADDB12107}" type="datetimeFigureOut">
               <a:rPr lang="he-IL" smtClean="0"/>
               <a:pPr/>
-              <a:t>י"ג/אב/תשע"ג</a:t>
+              <a:t>י"ד/אב/תשע"ג</a:t>
             </a:fld>
             <a:endParaRPr lang="he-IL"/>
           </a:p>
@@ -812,7 +813,7 @@
             <a:fld id="{317F4910-1E94-4DFA-A6CC-6B6ADDB12107}" type="datetimeFigureOut">
               <a:rPr lang="he-IL" smtClean="0"/>
               <a:pPr/>
-              <a:t>י"ג/אב/תשע"ג</a:t>
+              <a:t>י"ד/אב/תשע"ג</a:t>
             </a:fld>
             <a:endParaRPr lang="he-IL"/>
           </a:p>
@@ -1055,7 +1056,7 @@
             <a:fld id="{317F4910-1E94-4DFA-A6CC-6B6ADDB12107}" type="datetimeFigureOut">
               <a:rPr lang="he-IL" smtClean="0"/>
               <a:pPr/>
-              <a:t>י"ג/אב/תשע"ג</a:t>
+              <a:t>י"ד/אב/תשע"ג</a:t>
             </a:fld>
             <a:endParaRPr lang="he-IL"/>
           </a:p>
@@ -1340,7 +1341,7 @@
             <a:fld id="{317F4910-1E94-4DFA-A6CC-6B6ADDB12107}" type="datetimeFigureOut">
               <a:rPr lang="he-IL" smtClean="0"/>
               <a:pPr/>
-              <a:t>י"ג/אב/תשע"ג</a:t>
+              <a:t>י"ד/אב/תשע"ג</a:t>
             </a:fld>
             <a:endParaRPr lang="he-IL"/>
           </a:p>
@@ -1759,7 +1760,7 @@
             <a:fld id="{317F4910-1E94-4DFA-A6CC-6B6ADDB12107}" type="datetimeFigureOut">
               <a:rPr lang="he-IL" smtClean="0"/>
               <a:pPr/>
-              <a:t>י"ג/אב/תשע"ג</a:t>
+              <a:t>י"ד/אב/תשע"ג</a:t>
             </a:fld>
             <a:endParaRPr lang="he-IL"/>
           </a:p>
@@ -1874,7 +1875,7 @@
             <a:fld id="{317F4910-1E94-4DFA-A6CC-6B6ADDB12107}" type="datetimeFigureOut">
               <a:rPr lang="he-IL" smtClean="0"/>
               <a:pPr/>
-              <a:t>י"ג/אב/תשע"ג</a:t>
+              <a:t>י"ד/אב/תשע"ג</a:t>
             </a:fld>
             <a:endParaRPr lang="he-IL"/>
           </a:p>
@@ -1966,7 +1967,7 @@
             <a:fld id="{317F4910-1E94-4DFA-A6CC-6B6ADDB12107}" type="datetimeFigureOut">
               <a:rPr lang="he-IL" smtClean="0"/>
               <a:pPr/>
-              <a:t>י"ג/אב/תשע"ג</a:t>
+              <a:t>י"ד/אב/תשע"ג</a:t>
             </a:fld>
             <a:endParaRPr lang="he-IL"/>
           </a:p>
@@ -2240,7 +2241,7 @@
             <a:fld id="{317F4910-1E94-4DFA-A6CC-6B6ADDB12107}" type="datetimeFigureOut">
               <a:rPr lang="he-IL" smtClean="0"/>
               <a:pPr/>
-              <a:t>י"ג/אב/תשע"ג</a:t>
+              <a:t>י"ד/אב/תשע"ג</a:t>
             </a:fld>
             <a:endParaRPr lang="he-IL"/>
           </a:p>
@@ -2490,7 +2491,7 @@
             <a:fld id="{317F4910-1E94-4DFA-A6CC-6B6ADDB12107}" type="datetimeFigureOut">
               <a:rPr lang="he-IL" smtClean="0"/>
               <a:pPr/>
-              <a:t>י"ג/אב/תשע"ג</a:t>
+              <a:t>י"ד/אב/תשע"ג</a:t>
             </a:fld>
             <a:endParaRPr lang="he-IL"/>
           </a:p>
@@ -2700,7 +2701,7 @@
             <a:fld id="{317F4910-1E94-4DFA-A6CC-6B6ADDB12107}" type="datetimeFigureOut">
               <a:rPr lang="he-IL" smtClean="0"/>
               <a:pPr/>
-              <a:t>י"ג/אב/תשע"ג</a:t>
+              <a:t>י"ד/אב/תשע"ג</a:t>
             </a:fld>
             <a:endParaRPr lang="he-IL"/>
           </a:p>
@@ -3073,6 +3074,697 @@
       </p:grpSpPr>
       <p:sp>
         <p:nvSpPr>
+          <p:cNvPr id="2" name="Title 1"/>
+          <p:cNvSpPr>
+            <a:spLocks noGrp="1"/>
+          </p:cNvSpPr>
+          <p:nvPr>
+            <p:ph type="ctrTitle"/>
+          </p:nvPr>
+        </p:nvSpPr>
+        <p:spPr/>
+        <p:txBody>
+          <a:bodyPr/>
+          <a:lstStyle/>
+          <a:p>
+            <a:r>
+              <a:rPr lang="en-US" smtClean="0"/>
+              <a:t>baaasdfwerwsd</a:t>
+            </a:r>
+            <a:endParaRPr lang="he-IL" dirty="0"/>
+          </a:p>
+        </p:txBody>
+      </p:sp>
+      <p:sp>
+        <p:nvSpPr>
+          <p:cNvPr id="3" name="Subtitle 2"/>
+          <p:cNvSpPr>
+            <a:spLocks noGrp="1"/>
+          </p:cNvSpPr>
+          <p:nvPr>
+            <p:ph type="subTitle" idx="1"/>
+          </p:nvPr>
+        </p:nvSpPr>
+        <p:spPr/>
+        <p:txBody>
+          <a:bodyPr/>
+          <a:lstStyle/>
+          <a:p>
+            <a:endParaRPr lang="he-IL"/>
+          </a:p>
+        </p:txBody>
+      </p:sp>
+    </p:spTree>
+  </p:cSld>
+  <p:clrMapOvr>
+    <a:masterClrMapping/>
+  </p:clrMapOvr>
+</p:sld>
+</file>
+
+<file path=ppt/slides/slide10.xml><?xml version="1.0" encoding="utf-8"?>
+<p:sld xmlns:a="http://schemas.openxmlformats.org/drawingml/2006/main" xmlns:r="http://schemas.openxmlformats.org/officeDocument/2006/relationships" xmlns:p="http://schemas.openxmlformats.org/presentationml/2006/main">
+  <p:cSld>
+    <p:spTree>
+      <p:nvGrpSpPr>
+        <p:cNvPr id="1" name=""/>
+        <p:cNvGrpSpPr/>
+        <p:nvPr/>
+      </p:nvGrpSpPr>
+      <p:grpSpPr>
+        <a:xfrm>
+          <a:off x="0" y="0"/>
+          <a:ext cx="0" cy="0"/>
+          <a:chOff x="0" y="0"/>
+          <a:chExt cx="0" cy="0"/>
+        </a:xfrm>
+      </p:grpSpPr>
+      <p:sp>
+        <p:nvSpPr>
+          <p:cNvPr id="2" name="Title 1"/>
+          <p:cNvSpPr>
+            <a:spLocks noGrp="1"/>
+          </p:cNvSpPr>
+          <p:nvPr>
+            <p:ph type="title"/>
+          </p:nvPr>
+        </p:nvSpPr>
+        <p:spPr/>
+        <p:txBody>
+          <a:bodyPr/>
+          <a:lstStyle/>
+          <a:p>
+            <a:r>
+              <a:rPr lang="en-US" dirty="0" smtClean="0"/>
+              <a:t>Event</a:t>
+            </a:r>
+            <a:endParaRPr lang="he-IL" dirty="0"/>
+          </a:p>
+        </p:txBody>
+      </p:sp>
+      <p:sp>
+        <p:nvSpPr>
+          <p:cNvPr id="3" name="Content Placeholder 2"/>
+          <p:cNvSpPr>
+            <a:spLocks noGrp="1"/>
+          </p:cNvSpPr>
+          <p:nvPr>
+            <p:ph idx="1"/>
+          </p:nvPr>
+        </p:nvSpPr>
+        <p:spPr/>
+        <p:txBody>
+          <a:bodyPr>
+            <a:normAutofit lnSpcReduction="10000"/>
+          </a:bodyPr>
+          <a:lstStyle/>
+          <a:p>
+            <a:pPr algn="l" rtl="0"/>
+            <a:r>
+              <a:rPr lang="en-US" dirty="0" smtClean="0"/>
+              <a:t>List&lt;Photo&gt;</a:t>
+            </a:r>
+          </a:p>
+          <a:p>
+            <a:pPr algn="l" rtl="0"/>
+            <a:r>
+              <a:rPr lang="en-US" dirty="0" smtClean="0"/>
+              <a:t>Time </a:t>
+            </a:r>
+            <a:r>
+              <a:rPr lang="en-US" dirty="0" err="1" smtClean="0"/>
+              <a:t>totalTime</a:t>
+            </a:r>
+            <a:endParaRPr lang="en-US" dirty="0" smtClean="0"/>
+          </a:p>
+          <a:p>
+            <a:pPr algn="l" rtl="0"/>
+            <a:r>
+              <a:rPr lang="en-US" dirty="0" smtClean="0"/>
+              <a:t>Time </a:t>
+            </a:r>
+            <a:r>
+              <a:rPr lang="en-US" dirty="0" err="1" smtClean="0"/>
+              <a:t>firstPhotoTime</a:t>
+            </a:r>
+            <a:endParaRPr lang="en-US" dirty="0" smtClean="0"/>
+          </a:p>
+          <a:p>
+            <a:pPr algn="l" rtl="0"/>
+            <a:r>
+              <a:rPr lang="en-US" dirty="0" smtClean="0"/>
+              <a:t>Time </a:t>
+            </a:r>
+            <a:r>
+              <a:rPr lang="en-US" dirty="0" err="1" smtClean="0"/>
+              <a:t>lastPhotoTime</a:t>
+            </a:r>
+            <a:endParaRPr lang="en-US" dirty="0" smtClean="0"/>
+          </a:p>
+          <a:p>
+            <a:pPr algn="l" rtl="0"/>
+            <a:r>
+              <a:rPr lang="en-US" dirty="0" smtClean="0"/>
+              <a:t>Location </a:t>
+            </a:r>
+            <a:r>
+              <a:rPr lang="en-US" dirty="0" err="1" smtClean="0"/>
+              <a:t>centerPoint</a:t>
+            </a:r>
+            <a:endParaRPr lang="en-US" dirty="0" smtClean="0"/>
+          </a:p>
+          <a:p>
+            <a:pPr algn="l" rtl="0"/>
+            <a:r>
+              <a:rPr lang="en-US" dirty="0" smtClean="0"/>
+              <a:t>Location </a:t>
+            </a:r>
+            <a:r>
+              <a:rPr lang="en-US" dirty="0" err="1" smtClean="0"/>
+              <a:t>BoundingBox</a:t>
+            </a:r>
+            <a:r>
+              <a:rPr lang="en-US" dirty="0" smtClean="0"/>
+              <a:t> (</a:t>
+            </a:r>
+            <a:r>
+              <a:rPr lang="en-US" dirty="0" err="1" smtClean="0"/>
+              <a:t>TopLeft</a:t>
+            </a:r>
+            <a:r>
+              <a:rPr lang="en-US" dirty="0" smtClean="0"/>
+              <a:t>, </a:t>
+            </a:r>
+            <a:r>
+              <a:rPr lang="en-US" dirty="0" err="1" smtClean="0"/>
+              <a:t>BottomRight</a:t>
+            </a:r>
+            <a:r>
+              <a:rPr lang="en-US" dirty="0" smtClean="0"/>
+              <a:t>)</a:t>
+            </a:r>
+          </a:p>
+          <a:p>
+            <a:pPr algn="l" rtl="0"/>
+            <a:r>
+              <a:rPr lang="en-US" dirty="0" err="1" smtClean="0"/>
+              <a:t>Int</a:t>
+            </a:r>
+            <a:r>
+              <a:rPr lang="en-US" dirty="0" smtClean="0"/>
+              <a:t> </a:t>
+            </a:r>
+            <a:r>
+              <a:rPr lang="en-US" dirty="0" err="1" smtClean="0"/>
+              <a:t>horizontalPhotoCount</a:t>
+            </a:r>
+            <a:endParaRPr lang="en-US" dirty="0" smtClean="0"/>
+          </a:p>
+          <a:p>
+            <a:pPr algn="l" rtl="0"/>
+            <a:r>
+              <a:rPr lang="en-US" dirty="0" err="1" smtClean="0"/>
+              <a:t>Int</a:t>
+            </a:r>
+            <a:r>
+              <a:rPr lang="en-US" dirty="0" smtClean="0"/>
+              <a:t> </a:t>
+            </a:r>
+            <a:r>
+              <a:rPr lang="en-US" dirty="0" err="1" smtClean="0"/>
+              <a:t>verticalPhotoCount</a:t>
+            </a:r>
+            <a:endParaRPr lang="en-US" dirty="0" smtClean="0"/>
+          </a:p>
+        </p:txBody>
+      </p:sp>
+    </p:spTree>
+  </p:cSld>
+  <p:clrMapOvr>
+    <a:masterClrMapping/>
+  </p:clrMapOvr>
+</p:sld>
+</file>
+
+<file path=ppt/slides/slide11.xml><?xml version="1.0" encoding="utf-8"?>
+<p:sld xmlns:a="http://schemas.openxmlformats.org/drawingml/2006/main" xmlns:r="http://schemas.openxmlformats.org/officeDocument/2006/relationships" xmlns:p="http://schemas.openxmlformats.org/presentationml/2006/main">
+  <p:cSld>
+    <p:spTree>
+      <p:nvGrpSpPr>
+        <p:cNvPr id="1" name=""/>
+        <p:cNvGrpSpPr/>
+        <p:nvPr/>
+      </p:nvGrpSpPr>
+      <p:grpSpPr>
+        <a:xfrm>
+          <a:off x="0" y="0"/>
+          <a:ext cx="0" cy="0"/>
+          <a:chOff x="0" y="0"/>
+          <a:chExt cx="0" cy="0"/>
+        </a:xfrm>
+      </p:grpSpPr>
+      <p:sp>
+        <p:nvSpPr>
+          <p:cNvPr id="2" name="Title 1"/>
+          <p:cNvSpPr>
+            <a:spLocks noGrp="1"/>
+          </p:cNvSpPr>
+          <p:nvPr>
+            <p:ph type="title"/>
+          </p:nvPr>
+        </p:nvSpPr>
+        <p:spPr/>
+        <p:txBody>
+          <a:bodyPr/>
+          <a:lstStyle/>
+          <a:p>
+            <a:r>
+              <a:rPr lang="en-US" dirty="0" smtClean="0"/>
+              <a:t>Scheme	</a:t>
+            </a:r>
+            <a:endParaRPr lang="he-IL" dirty="0"/>
+          </a:p>
+        </p:txBody>
+      </p:sp>
+      <p:sp>
+        <p:nvSpPr>
+          <p:cNvPr id="3" name="Content Placeholder 2"/>
+          <p:cNvSpPr>
+            <a:spLocks noGrp="1"/>
+          </p:cNvSpPr>
+          <p:nvPr>
+            <p:ph idx="1"/>
+          </p:nvPr>
+        </p:nvSpPr>
+        <p:spPr/>
+        <p:txBody>
+          <a:bodyPr>
+            <a:normAutofit lnSpcReduction="10000"/>
+          </a:bodyPr>
+          <a:lstStyle/>
+          <a:p>
+            <a:pPr algn="l" rtl="0"/>
+            <a:r>
+              <a:rPr lang="en-US" dirty="0" smtClean="0"/>
+              <a:t>Design scheme // representation of the scheme</a:t>
+            </a:r>
+          </a:p>
+          <a:p>
+            <a:pPr algn="l" rtl="0"/>
+            <a:r>
+              <a:rPr lang="en-US" dirty="0" smtClean="0"/>
+              <a:t>ID</a:t>
+            </a:r>
+          </a:p>
+          <a:p>
+            <a:pPr algn="l" rtl="0"/>
+            <a:r>
+              <a:rPr lang="en-US" dirty="0" err="1" smtClean="0"/>
+              <a:t>Int</a:t>
+            </a:r>
+            <a:r>
+              <a:rPr lang="en-US" dirty="0" smtClean="0"/>
+              <a:t> </a:t>
+            </a:r>
+            <a:r>
+              <a:rPr lang="en-US" dirty="0" err="1" smtClean="0"/>
+              <a:t>numberOfHorizontalPhotos</a:t>
+            </a:r>
+            <a:endParaRPr lang="en-US" dirty="0" smtClean="0"/>
+          </a:p>
+          <a:p>
+            <a:pPr algn="l" rtl="0"/>
+            <a:r>
+              <a:rPr lang="en-US" dirty="0" err="1" smtClean="0"/>
+              <a:t>Int</a:t>
+            </a:r>
+            <a:r>
+              <a:rPr lang="en-US" dirty="0" smtClean="0"/>
+              <a:t> </a:t>
+            </a:r>
+            <a:r>
+              <a:rPr lang="en-US" dirty="0" err="1" smtClean="0"/>
+              <a:t>numberOfVerticalPhotos</a:t>
+            </a:r>
+            <a:endParaRPr lang="en-US" dirty="0" smtClean="0"/>
+          </a:p>
+          <a:p>
+            <a:pPr algn="l" rtl="0"/>
+            <a:r>
+              <a:rPr lang="en-US" dirty="0" smtClean="0"/>
+              <a:t>Map&lt;</a:t>
+            </a:r>
+            <a:r>
+              <a:rPr lang="en-US" dirty="0" err="1" smtClean="0"/>
+              <a:t>Photo,PlacementCell</a:t>
+            </a:r>
+            <a:r>
+              <a:rPr lang="en-US" dirty="0" smtClean="0"/>
+              <a:t>&gt;</a:t>
+            </a:r>
+          </a:p>
+          <a:p>
+            <a:pPr algn="l" rtl="0"/>
+            <a:r>
+              <a:rPr lang="en-US" dirty="0" smtClean="0"/>
+              <a:t>List&lt;</a:t>
+            </a:r>
+            <a:r>
+              <a:rPr lang="en-US" dirty="0" err="1" smtClean="0"/>
+              <a:t>PlacementCell</a:t>
+            </a:r>
+            <a:r>
+              <a:rPr lang="en-US" dirty="0" smtClean="0"/>
+              <a:t>&gt; </a:t>
+            </a:r>
+            <a:r>
+              <a:rPr lang="en-US" dirty="0" err="1" smtClean="0"/>
+              <a:t>emptyCells</a:t>
+            </a:r>
+            <a:endParaRPr lang="en-US" dirty="0" smtClean="0"/>
+          </a:p>
+          <a:p>
+            <a:pPr algn="l" rtl="0"/>
+            <a:r>
+              <a:rPr lang="en-US" dirty="0" smtClean="0"/>
+              <a:t>List&lt;</a:t>
+            </a:r>
+            <a:r>
+              <a:rPr lang="en-US" dirty="0" err="1" smtClean="0"/>
+              <a:t>PlacementCell</a:t>
+            </a:r>
+            <a:r>
+              <a:rPr lang="en-US" dirty="0" smtClean="0"/>
+              <a:t>&gt; </a:t>
+            </a:r>
+            <a:r>
+              <a:rPr lang="en-US" dirty="0" err="1" smtClean="0"/>
+              <a:t>fullCells</a:t>
+            </a:r>
+            <a:endParaRPr lang="he-IL" dirty="0"/>
+          </a:p>
+        </p:txBody>
+      </p:sp>
+    </p:spTree>
+  </p:cSld>
+  <p:clrMapOvr>
+    <a:masterClrMapping/>
+  </p:clrMapOvr>
+</p:sld>
+</file>
+
+<file path=ppt/slides/slide12.xml><?xml version="1.0" encoding="utf-8"?>
+<p:sld xmlns:a="http://schemas.openxmlformats.org/drawingml/2006/main" xmlns:r="http://schemas.openxmlformats.org/officeDocument/2006/relationships" xmlns:p="http://schemas.openxmlformats.org/presentationml/2006/main">
+  <p:cSld>
+    <p:spTree>
+      <p:nvGrpSpPr>
+        <p:cNvPr id="1" name=""/>
+        <p:cNvGrpSpPr/>
+        <p:nvPr/>
+      </p:nvGrpSpPr>
+      <p:grpSpPr>
+        <a:xfrm>
+          <a:off x="0" y="0"/>
+          <a:ext cx="0" cy="0"/>
+          <a:chOff x="0" y="0"/>
+          <a:chExt cx="0" cy="0"/>
+        </a:xfrm>
+      </p:grpSpPr>
+      <p:sp>
+        <p:nvSpPr>
+          <p:cNvPr id="2" name="Title 1"/>
+          <p:cNvSpPr>
+            <a:spLocks noGrp="1"/>
+          </p:cNvSpPr>
+          <p:nvPr>
+            <p:ph type="title"/>
+          </p:nvPr>
+        </p:nvSpPr>
+        <p:spPr/>
+        <p:txBody>
+          <a:bodyPr/>
+          <a:lstStyle/>
+          <a:p>
+            <a:r>
+              <a:rPr lang="en-US" dirty="0" err="1" smtClean="0"/>
+              <a:t>PlcementCell</a:t>
+            </a:r>
+            <a:endParaRPr lang="he-IL" dirty="0"/>
+          </a:p>
+        </p:txBody>
+      </p:sp>
+      <p:sp>
+        <p:nvSpPr>
+          <p:cNvPr id="3" name="Content Placeholder 2"/>
+          <p:cNvSpPr>
+            <a:spLocks noGrp="1"/>
+          </p:cNvSpPr>
+          <p:nvPr>
+            <p:ph idx="1"/>
+          </p:nvPr>
+        </p:nvSpPr>
+        <p:spPr/>
+        <p:txBody>
+          <a:bodyPr/>
+          <a:lstStyle/>
+          <a:p>
+            <a:pPr algn="l" rtl="0"/>
+            <a:r>
+              <a:rPr lang="en-US" dirty="0" smtClean="0"/>
+              <a:t>ID</a:t>
+            </a:r>
+          </a:p>
+          <a:p>
+            <a:pPr algn="l" rtl="0"/>
+            <a:r>
+              <a:rPr lang="en-US" dirty="0" err="1" smtClean="0"/>
+              <a:t>isHorizontal</a:t>
+            </a:r>
+            <a:endParaRPr lang="en-US" dirty="0" smtClean="0"/>
+          </a:p>
+          <a:p>
+            <a:pPr algn="l" rtl="0"/>
+            <a:r>
+              <a:rPr lang="en-US" dirty="0" smtClean="0"/>
+              <a:t>Rectangle size</a:t>
+            </a:r>
+          </a:p>
+          <a:p>
+            <a:pPr algn="l" rtl="0"/>
+            <a:r>
+              <a:rPr lang="en-US" dirty="0" err="1" smtClean="0"/>
+              <a:t>IsFull</a:t>
+            </a:r>
+            <a:r>
+              <a:rPr lang="en-US" dirty="0" smtClean="0"/>
+              <a:t> (with photo)</a:t>
+            </a:r>
+            <a:endParaRPr lang="he-IL" dirty="0"/>
+          </a:p>
+        </p:txBody>
+      </p:sp>
+    </p:spTree>
+  </p:cSld>
+  <p:clrMapOvr>
+    <a:masterClrMapping/>
+  </p:clrMapOvr>
+</p:sld>
+</file>
+
+<file path=ppt/slides/slide13.xml><?xml version="1.0" encoding="utf-8"?>
+<p:sld xmlns:a="http://schemas.openxmlformats.org/drawingml/2006/main" xmlns:r="http://schemas.openxmlformats.org/officeDocument/2006/relationships" xmlns:p="http://schemas.openxmlformats.org/presentationml/2006/main">
+  <p:cSld>
+    <p:spTree>
+      <p:nvGrpSpPr>
+        <p:cNvPr id="1" name=""/>
+        <p:cNvGrpSpPr/>
+        <p:nvPr/>
+      </p:nvGrpSpPr>
+      <p:grpSpPr>
+        <a:xfrm>
+          <a:off x="0" y="0"/>
+          <a:ext cx="0" cy="0"/>
+          <a:chOff x="0" y="0"/>
+          <a:chExt cx="0" cy="0"/>
+        </a:xfrm>
+      </p:grpSpPr>
+      <p:sp>
+        <p:nvSpPr>
+          <p:cNvPr id="2" name="Title 1"/>
+          <p:cNvSpPr>
+            <a:spLocks noGrp="1"/>
+          </p:cNvSpPr>
+          <p:nvPr>
+            <p:ph type="title"/>
+          </p:nvPr>
+        </p:nvSpPr>
+        <p:spPr/>
+        <p:txBody>
+          <a:bodyPr/>
+          <a:lstStyle/>
+          <a:p>
+            <a:r>
+              <a:rPr lang="en-US" dirty="0" smtClean="0"/>
+              <a:t>Rectangle</a:t>
+            </a:r>
+            <a:endParaRPr lang="he-IL" dirty="0"/>
+          </a:p>
+        </p:txBody>
+      </p:sp>
+      <p:sp>
+        <p:nvSpPr>
+          <p:cNvPr id="3" name="Content Placeholder 2"/>
+          <p:cNvSpPr>
+            <a:spLocks noGrp="1"/>
+          </p:cNvSpPr>
+          <p:nvPr>
+            <p:ph idx="1"/>
+          </p:nvPr>
+        </p:nvSpPr>
+        <p:spPr/>
+        <p:txBody>
+          <a:bodyPr/>
+          <a:lstStyle/>
+          <a:p>
+            <a:pPr algn="l" rtl="0"/>
+            <a:r>
+              <a:rPr lang="en-US" dirty="0" smtClean="0"/>
+              <a:t>Width</a:t>
+            </a:r>
+          </a:p>
+          <a:p>
+            <a:pPr algn="l" rtl="0"/>
+            <a:r>
+              <a:rPr lang="en-US" dirty="0" smtClean="0"/>
+              <a:t>Height</a:t>
+            </a:r>
+            <a:endParaRPr lang="he-IL" dirty="0"/>
+          </a:p>
+        </p:txBody>
+      </p:sp>
+    </p:spTree>
+  </p:cSld>
+  <p:clrMapOvr>
+    <a:masterClrMapping/>
+  </p:clrMapOvr>
+</p:sld>
+</file>
+
+<file path=ppt/slides/slide14.xml><?xml version="1.0" encoding="utf-8"?>
+<p:sld xmlns:a="http://schemas.openxmlformats.org/drawingml/2006/main" xmlns:r="http://schemas.openxmlformats.org/officeDocument/2006/relationships" xmlns:p="http://schemas.openxmlformats.org/presentationml/2006/main">
+  <p:cSld>
+    <p:spTree>
+      <p:nvGrpSpPr>
+        <p:cNvPr id="1" name=""/>
+        <p:cNvGrpSpPr/>
+        <p:nvPr/>
+      </p:nvGrpSpPr>
+      <p:grpSpPr>
+        <a:xfrm>
+          <a:off x="0" y="0"/>
+          <a:ext cx="0" cy="0"/>
+          <a:chOff x="0" y="0"/>
+          <a:chExt cx="0" cy="0"/>
+        </a:xfrm>
+      </p:grpSpPr>
+      <p:sp>
+        <p:nvSpPr>
+          <p:cNvPr id="2" name="Title 1"/>
+          <p:cNvSpPr>
+            <a:spLocks noGrp="1"/>
+          </p:cNvSpPr>
+          <p:nvPr>
+            <p:ph type="title"/>
+          </p:nvPr>
+        </p:nvSpPr>
+        <p:spPr/>
+        <p:txBody>
+          <a:bodyPr/>
+          <a:lstStyle/>
+          <a:p>
+            <a:r>
+              <a:rPr lang="en-US" dirty="0" smtClean="0"/>
+              <a:t>Threads</a:t>
+            </a:r>
+            <a:endParaRPr lang="he-IL" dirty="0"/>
+          </a:p>
+        </p:txBody>
+      </p:sp>
+      <p:sp>
+        <p:nvSpPr>
+          <p:cNvPr id="3" name="Content Placeholder 2"/>
+          <p:cNvSpPr>
+            <a:spLocks noGrp="1"/>
+          </p:cNvSpPr>
+          <p:nvPr>
+            <p:ph idx="1"/>
+          </p:nvPr>
+        </p:nvSpPr>
+        <p:spPr/>
+        <p:txBody>
+          <a:bodyPr/>
+          <a:lstStyle/>
+          <a:p>
+            <a:pPr algn="l" rtl="0"/>
+            <a:r>
+              <a:rPr lang="en-US" dirty="0" smtClean="0"/>
+              <a:t>Photo Listener</a:t>
+            </a:r>
+          </a:p>
+          <a:p>
+            <a:pPr algn="l" rtl="0"/>
+            <a:r>
+              <a:rPr lang="en-US" dirty="0" smtClean="0"/>
+              <a:t>Activation Manager</a:t>
+            </a:r>
+          </a:p>
+          <a:p>
+            <a:pPr algn="l" rtl="0"/>
+            <a:r>
+              <a:rPr lang="en-US" dirty="0" smtClean="0"/>
+              <a:t>GUI</a:t>
+            </a:r>
+          </a:p>
+          <a:p>
+            <a:pPr algn="l" rtl="0"/>
+            <a:r>
+              <a:rPr lang="en-US" dirty="0" smtClean="0"/>
+              <a:t>All the rest</a:t>
+            </a:r>
+          </a:p>
+          <a:p>
+            <a:pPr algn="l" rtl="0"/>
+            <a:endParaRPr lang="he-IL" dirty="0"/>
+          </a:p>
+        </p:txBody>
+      </p:sp>
+    </p:spTree>
+  </p:cSld>
+  <p:clrMapOvr>
+    <a:masterClrMapping/>
+  </p:clrMapOvr>
+</p:sld>
+</file>
+
+<file path=ppt/slides/slide2.xml><?xml version="1.0" encoding="utf-8"?>
+<p:sld xmlns:a="http://schemas.openxmlformats.org/drawingml/2006/main" xmlns:r="http://schemas.openxmlformats.org/officeDocument/2006/relationships" xmlns:p="http://schemas.openxmlformats.org/presentationml/2006/main">
+  <p:cSld>
+    <p:spTree>
+      <p:nvGrpSpPr>
+        <p:cNvPr id="1" name=""/>
+        <p:cNvGrpSpPr/>
+        <p:nvPr/>
+      </p:nvGrpSpPr>
+      <p:grpSpPr>
+        <a:xfrm>
+          <a:off x="0" y="0"/>
+          <a:ext cx="0" cy="0"/>
+          <a:chOff x="0" y="0"/>
+          <a:chExt cx="0" cy="0"/>
+        </a:xfrm>
+      </p:grpSpPr>
+      <p:sp>
+        <p:nvSpPr>
           <p:cNvPr id="4" name="Rectangle 3"/>
           <p:cNvSpPr/>
           <p:nvPr/>
@@ -3981,452 +4673,7 @@
 </p:sld>
 </file>
 
-<file path=ppt/slides/slide10.xml><?xml version="1.0" encoding="utf-8"?>
-<p:sld xmlns:a="http://schemas.openxmlformats.org/drawingml/2006/main" xmlns:r="http://schemas.openxmlformats.org/officeDocument/2006/relationships" xmlns:p="http://schemas.openxmlformats.org/presentationml/2006/main">
-  <p:cSld>
-    <p:spTree>
-      <p:nvGrpSpPr>
-        <p:cNvPr id="1" name=""/>
-        <p:cNvGrpSpPr/>
-        <p:nvPr/>
-      </p:nvGrpSpPr>
-      <p:grpSpPr>
-        <a:xfrm>
-          <a:off x="0" y="0"/>
-          <a:ext cx="0" cy="0"/>
-          <a:chOff x="0" y="0"/>
-          <a:chExt cx="0" cy="0"/>
-        </a:xfrm>
-      </p:grpSpPr>
-      <p:sp>
-        <p:nvSpPr>
-          <p:cNvPr id="2" name="Title 1"/>
-          <p:cNvSpPr>
-            <a:spLocks noGrp="1"/>
-          </p:cNvSpPr>
-          <p:nvPr>
-            <p:ph type="title"/>
-          </p:nvPr>
-        </p:nvSpPr>
-        <p:spPr/>
-        <p:txBody>
-          <a:bodyPr/>
-          <a:lstStyle/>
-          <a:p>
-            <a:r>
-              <a:rPr lang="en-US" dirty="0" smtClean="0"/>
-              <a:t>Scheme	</a:t>
-            </a:r>
-            <a:endParaRPr lang="he-IL" dirty="0"/>
-          </a:p>
-        </p:txBody>
-      </p:sp>
-      <p:sp>
-        <p:nvSpPr>
-          <p:cNvPr id="3" name="Content Placeholder 2"/>
-          <p:cNvSpPr>
-            <a:spLocks noGrp="1"/>
-          </p:cNvSpPr>
-          <p:nvPr>
-            <p:ph idx="1"/>
-          </p:nvPr>
-        </p:nvSpPr>
-        <p:spPr/>
-        <p:txBody>
-          <a:bodyPr>
-            <a:normAutofit lnSpcReduction="10000"/>
-          </a:bodyPr>
-          <a:lstStyle/>
-          <a:p>
-            <a:pPr algn="l" rtl="0"/>
-            <a:r>
-              <a:rPr lang="en-US" dirty="0" smtClean="0"/>
-              <a:t>Design scheme // representation of the </a:t>
-            </a:r>
-            <a:r>
-              <a:rPr lang="en-US" dirty="0" smtClean="0"/>
-              <a:t>scheme</a:t>
-            </a:r>
-          </a:p>
-          <a:p>
-            <a:pPr algn="l" rtl="0"/>
-            <a:r>
-              <a:rPr lang="en-US" dirty="0" smtClean="0"/>
-              <a:t>ID</a:t>
-            </a:r>
-            <a:endParaRPr lang="en-US" dirty="0" smtClean="0"/>
-          </a:p>
-          <a:p>
-            <a:pPr algn="l" rtl="0"/>
-            <a:r>
-              <a:rPr lang="en-US" dirty="0" err="1" smtClean="0"/>
-              <a:t>Int</a:t>
-            </a:r>
-            <a:r>
-              <a:rPr lang="en-US" dirty="0" smtClean="0"/>
-              <a:t> </a:t>
-            </a:r>
-            <a:r>
-              <a:rPr lang="en-US" dirty="0" err="1" smtClean="0"/>
-              <a:t>numberOfHorizontalPhotos</a:t>
-            </a:r>
-            <a:endParaRPr lang="en-US" dirty="0" smtClean="0"/>
-          </a:p>
-          <a:p>
-            <a:pPr algn="l" rtl="0"/>
-            <a:r>
-              <a:rPr lang="en-US" dirty="0" err="1" smtClean="0"/>
-              <a:t>Int</a:t>
-            </a:r>
-            <a:r>
-              <a:rPr lang="en-US" dirty="0" smtClean="0"/>
-              <a:t> </a:t>
-            </a:r>
-            <a:r>
-              <a:rPr lang="en-US" dirty="0" err="1" smtClean="0"/>
-              <a:t>numberOfVerticalPhotos</a:t>
-            </a:r>
-            <a:endParaRPr lang="en-US" dirty="0" smtClean="0"/>
-          </a:p>
-          <a:p>
-            <a:pPr algn="l" rtl="0"/>
-            <a:r>
-              <a:rPr lang="en-US" dirty="0" smtClean="0"/>
-              <a:t>Map&lt;</a:t>
-            </a:r>
-            <a:r>
-              <a:rPr lang="en-US" dirty="0" err="1" smtClean="0"/>
-              <a:t>Photo,PlacementCell</a:t>
-            </a:r>
-            <a:r>
-              <a:rPr lang="en-US" dirty="0" smtClean="0"/>
-              <a:t>&gt;</a:t>
-            </a:r>
-          </a:p>
-          <a:p>
-            <a:pPr algn="l" rtl="0"/>
-            <a:r>
-              <a:rPr lang="en-US" dirty="0" smtClean="0"/>
-              <a:t>List&lt;</a:t>
-            </a:r>
-            <a:r>
-              <a:rPr lang="en-US" dirty="0" err="1" smtClean="0"/>
-              <a:t>PlacementCell</a:t>
-            </a:r>
-            <a:r>
-              <a:rPr lang="en-US" dirty="0" smtClean="0"/>
-              <a:t>&gt; </a:t>
-            </a:r>
-            <a:r>
-              <a:rPr lang="en-US" dirty="0" err="1" smtClean="0"/>
-              <a:t>emptyCells</a:t>
-            </a:r>
-            <a:endParaRPr lang="en-US" dirty="0" smtClean="0"/>
-          </a:p>
-          <a:p>
-            <a:pPr algn="l" rtl="0"/>
-            <a:r>
-              <a:rPr lang="en-US" dirty="0" smtClean="0"/>
-              <a:t>List&lt;</a:t>
-            </a:r>
-            <a:r>
-              <a:rPr lang="en-US" dirty="0" err="1" smtClean="0"/>
-              <a:t>PlacementCell</a:t>
-            </a:r>
-            <a:r>
-              <a:rPr lang="en-US" dirty="0" smtClean="0"/>
-              <a:t>&gt; </a:t>
-            </a:r>
-            <a:r>
-              <a:rPr lang="en-US" dirty="0" err="1" smtClean="0"/>
-              <a:t>fullCells</a:t>
-            </a:r>
-            <a:endParaRPr lang="he-IL" dirty="0"/>
-          </a:p>
-        </p:txBody>
-      </p:sp>
-    </p:spTree>
-  </p:cSld>
-  <p:clrMapOvr>
-    <a:masterClrMapping/>
-  </p:clrMapOvr>
-</p:sld>
-</file>
-
-<file path=ppt/slides/slide11.xml><?xml version="1.0" encoding="utf-8"?>
-<p:sld xmlns:a="http://schemas.openxmlformats.org/drawingml/2006/main" xmlns:r="http://schemas.openxmlformats.org/officeDocument/2006/relationships" xmlns:p="http://schemas.openxmlformats.org/presentationml/2006/main">
-  <p:cSld>
-    <p:spTree>
-      <p:nvGrpSpPr>
-        <p:cNvPr id="1" name=""/>
-        <p:cNvGrpSpPr/>
-        <p:nvPr/>
-      </p:nvGrpSpPr>
-      <p:grpSpPr>
-        <a:xfrm>
-          <a:off x="0" y="0"/>
-          <a:ext cx="0" cy="0"/>
-          <a:chOff x="0" y="0"/>
-          <a:chExt cx="0" cy="0"/>
-        </a:xfrm>
-      </p:grpSpPr>
-      <p:sp>
-        <p:nvSpPr>
-          <p:cNvPr id="2" name="Title 1"/>
-          <p:cNvSpPr>
-            <a:spLocks noGrp="1"/>
-          </p:cNvSpPr>
-          <p:nvPr>
-            <p:ph type="title"/>
-          </p:nvPr>
-        </p:nvSpPr>
-        <p:spPr/>
-        <p:txBody>
-          <a:bodyPr/>
-          <a:lstStyle/>
-          <a:p>
-            <a:r>
-              <a:rPr lang="en-US" dirty="0" err="1" smtClean="0"/>
-              <a:t>PlcementCell</a:t>
-            </a:r>
-            <a:endParaRPr lang="he-IL" dirty="0"/>
-          </a:p>
-        </p:txBody>
-      </p:sp>
-      <p:sp>
-        <p:nvSpPr>
-          <p:cNvPr id="3" name="Content Placeholder 2"/>
-          <p:cNvSpPr>
-            <a:spLocks noGrp="1"/>
-          </p:cNvSpPr>
-          <p:nvPr>
-            <p:ph idx="1"/>
-          </p:nvPr>
-        </p:nvSpPr>
-        <p:spPr/>
-        <p:txBody>
-          <a:bodyPr/>
-          <a:lstStyle/>
-          <a:p>
-            <a:pPr algn="l" rtl="0"/>
-            <a:r>
-              <a:rPr lang="en-US" dirty="0" smtClean="0"/>
-              <a:t>ID</a:t>
-            </a:r>
-          </a:p>
-          <a:p>
-            <a:pPr algn="l" rtl="0"/>
-            <a:r>
-              <a:rPr lang="en-US" dirty="0" err="1" smtClean="0"/>
-              <a:t>isHorizontal</a:t>
-            </a:r>
-            <a:endParaRPr lang="en-US" dirty="0" smtClean="0"/>
-          </a:p>
-          <a:p>
-            <a:pPr algn="l" rtl="0"/>
-            <a:r>
-              <a:rPr lang="en-US" dirty="0" smtClean="0"/>
-              <a:t>Rectangle size</a:t>
-            </a:r>
-          </a:p>
-          <a:p>
-            <a:pPr algn="l" rtl="0"/>
-            <a:r>
-              <a:rPr lang="en-US" dirty="0" err="1" smtClean="0"/>
-              <a:t>IsFull</a:t>
-            </a:r>
-            <a:r>
-              <a:rPr lang="en-US" dirty="0" smtClean="0"/>
-              <a:t> (with photo)</a:t>
-            </a:r>
-            <a:endParaRPr lang="he-IL" dirty="0"/>
-          </a:p>
-        </p:txBody>
-      </p:sp>
-    </p:spTree>
-  </p:cSld>
-  <p:clrMapOvr>
-    <a:masterClrMapping/>
-  </p:clrMapOvr>
-</p:sld>
-</file>
-
-<file path=ppt/slides/slide12.xml><?xml version="1.0" encoding="utf-8"?>
-<p:sld xmlns:a="http://schemas.openxmlformats.org/drawingml/2006/main" xmlns:r="http://schemas.openxmlformats.org/officeDocument/2006/relationships" xmlns:p="http://schemas.openxmlformats.org/presentationml/2006/main">
-  <p:cSld>
-    <p:spTree>
-      <p:nvGrpSpPr>
-        <p:cNvPr id="1" name=""/>
-        <p:cNvGrpSpPr/>
-        <p:nvPr/>
-      </p:nvGrpSpPr>
-      <p:grpSpPr>
-        <a:xfrm>
-          <a:off x="0" y="0"/>
-          <a:ext cx="0" cy="0"/>
-          <a:chOff x="0" y="0"/>
-          <a:chExt cx="0" cy="0"/>
-        </a:xfrm>
-      </p:grpSpPr>
-      <p:sp>
-        <p:nvSpPr>
-          <p:cNvPr id="2" name="Title 1"/>
-          <p:cNvSpPr>
-            <a:spLocks noGrp="1"/>
-          </p:cNvSpPr>
-          <p:nvPr>
-            <p:ph type="title"/>
-          </p:nvPr>
-        </p:nvSpPr>
-        <p:spPr/>
-        <p:txBody>
-          <a:bodyPr/>
-          <a:lstStyle/>
-          <a:p>
-            <a:r>
-              <a:rPr lang="en-US" dirty="0" smtClean="0"/>
-              <a:t>Rectangle</a:t>
-            </a:r>
-            <a:endParaRPr lang="he-IL" dirty="0"/>
-          </a:p>
-        </p:txBody>
-      </p:sp>
-      <p:sp>
-        <p:nvSpPr>
-          <p:cNvPr id="3" name="Content Placeholder 2"/>
-          <p:cNvSpPr>
-            <a:spLocks noGrp="1"/>
-          </p:cNvSpPr>
-          <p:nvPr>
-            <p:ph idx="1"/>
-          </p:nvPr>
-        </p:nvSpPr>
-        <p:spPr/>
-        <p:txBody>
-          <a:bodyPr/>
-          <a:lstStyle/>
-          <a:p>
-            <a:pPr algn="l" rtl="0"/>
-            <a:r>
-              <a:rPr lang="en-US" dirty="0" smtClean="0"/>
-              <a:t>Width</a:t>
-            </a:r>
-          </a:p>
-          <a:p>
-            <a:pPr algn="l" rtl="0"/>
-            <a:r>
-              <a:rPr lang="en-US" dirty="0" smtClean="0"/>
-              <a:t>Height</a:t>
-            </a:r>
-            <a:endParaRPr lang="he-IL" dirty="0"/>
-          </a:p>
-        </p:txBody>
-      </p:sp>
-    </p:spTree>
-  </p:cSld>
-  <p:clrMapOvr>
-    <a:masterClrMapping/>
-  </p:clrMapOvr>
-</p:sld>
-</file>
-
-<file path=ppt/slides/slide13.xml><?xml version="1.0" encoding="utf-8"?>
-<p:sld xmlns:a="http://schemas.openxmlformats.org/drawingml/2006/main" xmlns:r="http://schemas.openxmlformats.org/officeDocument/2006/relationships" xmlns:p="http://schemas.openxmlformats.org/presentationml/2006/main">
-  <p:cSld>
-    <p:spTree>
-      <p:nvGrpSpPr>
-        <p:cNvPr id="1" name=""/>
-        <p:cNvGrpSpPr/>
-        <p:nvPr/>
-      </p:nvGrpSpPr>
-      <p:grpSpPr>
-        <a:xfrm>
-          <a:off x="0" y="0"/>
-          <a:ext cx="0" cy="0"/>
-          <a:chOff x="0" y="0"/>
-          <a:chExt cx="0" cy="0"/>
-        </a:xfrm>
-      </p:grpSpPr>
-      <p:sp>
-        <p:nvSpPr>
-          <p:cNvPr id="2" name="Title 1"/>
-          <p:cNvSpPr>
-            <a:spLocks noGrp="1"/>
-          </p:cNvSpPr>
-          <p:nvPr>
-            <p:ph type="title"/>
-          </p:nvPr>
-        </p:nvSpPr>
-        <p:spPr/>
-        <p:txBody>
-          <a:bodyPr/>
-          <a:lstStyle/>
-          <a:p>
-            <a:r>
-              <a:rPr lang="en-US" dirty="0" smtClean="0"/>
-              <a:t>Threads</a:t>
-            </a:r>
-            <a:endParaRPr lang="he-IL" dirty="0"/>
-          </a:p>
-        </p:txBody>
-      </p:sp>
-      <p:sp>
-        <p:nvSpPr>
-          <p:cNvPr id="3" name="Content Placeholder 2"/>
-          <p:cNvSpPr>
-            <a:spLocks noGrp="1"/>
-          </p:cNvSpPr>
-          <p:nvPr>
-            <p:ph idx="1"/>
-          </p:nvPr>
-        </p:nvSpPr>
-        <p:spPr/>
-        <p:txBody>
-          <a:bodyPr/>
-          <a:lstStyle/>
-          <a:p>
-            <a:pPr algn="l" rtl="0"/>
-            <a:r>
-              <a:rPr lang="en-US" dirty="0" smtClean="0"/>
-              <a:t>Photo Listener</a:t>
-            </a:r>
-          </a:p>
-          <a:p>
-            <a:pPr algn="l" rtl="0"/>
-            <a:r>
-              <a:rPr lang="en-US" dirty="0" smtClean="0"/>
-              <a:t>Activation Manager</a:t>
-            </a:r>
-          </a:p>
-          <a:p>
-            <a:pPr algn="l" rtl="0"/>
-            <a:r>
-              <a:rPr lang="en-US" dirty="0" smtClean="0"/>
-              <a:t>GUI</a:t>
-            </a:r>
-          </a:p>
-          <a:p>
-            <a:pPr algn="l" rtl="0"/>
-            <a:r>
-              <a:rPr lang="en-US" dirty="0" smtClean="0"/>
-              <a:t>All the rest</a:t>
-            </a:r>
-          </a:p>
-          <a:p>
-            <a:pPr algn="l" rtl="0"/>
-            <a:endParaRPr lang="he-IL" dirty="0"/>
-          </a:p>
-        </p:txBody>
-      </p:sp>
-    </p:spTree>
-  </p:cSld>
-  <p:clrMapOvr>
-    <a:masterClrMapping/>
-  </p:clrMapOvr>
-</p:sld>
-</file>
-
-<file path=ppt/slides/slide2.xml><?xml version="1.0" encoding="utf-8"?>
+<file path=ppt/slides/slide3.xml><?xml version="1.0" encoding="utf-8"?>
 <p:sld xmlns:a="http://schemas.openxmlformats.org/drawingml/2006/main" xmlns:r="http://schemas.openxmlformats.org/officeDocument/2006/relationships" xmlns:p="http://schemas.openxmlformats.org/presentationml/2006/main">
   <p:cSld>
     <p:spTree>
@@ -5030,488 +5277,6 @@
               <a:t>Map Generator</a:t>
             </a:r>
             <a:endParaRPr lang="he-IL" sz="2800" dirty="0"/>
-          </a:p>
-        </p:txBody>
-      </p:sp>
-    </p:spTree>
-  </p:cSld>
-  <p:clrMapOvr>
-    <a:masterClrMapping/>
-  </p:clrMapOvr>
-  <p:timing>
-    <p:tnLst>
-      <p:par>
-        <p:cTn id="1" dur="indefinite" restart="never" nodeType="tmRoot"/>
-      </p:par>
-    </p:tnLst>
-  </p:timing>
-</p:sld>
-</file>
-
-<file path=ppt/slides/slide3.xml><?xml version="1.0" encoding="utf-8"?>
-<p:sld xmlns:a="http://schemas.openxmlformats.org/drawingml/2006/main" xmlns:r="http://schemas.openxmlformats.org/officeDocument/2006/relationships" xmlns:p="http://schemas.openxmlformats.org/presentationml/2006/main">
-  <p:cSld>
-    <p:spTree>
-      <p:nvGrpSpPr>
-        <p:cNvPr id="1" name=""/>
-        <p:cNvGrpSpPr/>
-        <p:nvPr/>
-      </p:nvGrpSpPr>
-      <p:grpSpPr>
-        <a:xfrm>
-          <a:off x="0" y="0"/>
-          <a:ext cx="0" cy="0"/>
-          <a:chOff x="0" y="0"/>
-          <a:chExt cx="0" cy="0"/>
-        </a:xfrm>
-      </p:grpSpPr>
-      <p:sp>
-        <p:nvSpPr>
-          <p:cNvPr id="4" name="Rectangle 3"/>
-          <p:cNvSpPr/>
-          <p:nvPr/>
-        </p:nvSpPr>
-        <p:spPr>
-          <a:xfrm>
-            <a:off x="2771800" y="1484784"/>
-            <a:ext cx="5544616" cy="3960440"/>
-          </a:xfrm>
-          <a:prstGeom prst="rect">
-            <a:avLst/>
-          </a:prstGeom>
-        </p:spPr>
-        <p:style>
-          <a:lnRef idx="2">
-            <a:schemeClr val="accent1">
-              <a:shade val="50000"/>
-            </a:schemeClr>
-          </a:lnRef>
-          <a:fillRef idx="1">
-            <a:schemeClr val="accent1"/>
-          </a:fillRef>
-          <a:effectRef idx="0">
-            <a:schemeClr val="accent1"/>
-          </a:effectRef>
-          <a:fontRef idx="minor">
-            <a:schemeClr val="lt1"/>
-          </a:fontRef>
-        </p:style>
-        <p:txBody>
-          <a:bodyPr rtlCol="1" anchor="ctr"/>
-          <a:lstStyle/>
-          <a:p>
-            <a:pPr marL="342900" indent="-342900" algn="l" rtl="0">
-              <a:buAutoNum type="arabicPeriod"/>
-            </a:pPr>
-            <a:endParaRPr lang="en-US" dirty="0" smtClean="0"/>
-          </a:p>
-          <a:p>
-            <a:pPr marL="342900" indent="-342900" algn="l" rtl="0">
-              <a:buAutoNum type="arabicPeriod"/>
-            </a:pPr>
-            <a:r>
-              <a:rPr lang="en-US" dirty="0" smtClean="0"/>
-              <a:t>Check if time &amp; </a:t>
-            </a:r>
-            <a:r>
-              <a:rPr lang="en-US" dirty="0" err="1" smtClean="0"/>
-              <a:t>loction</a:t>
-            </a:r>
-            <a:r>
-              <a:rPr lang="en-US" dirty="0" smtClean="0"/>
-              <a:t> delta from last photo, to decide if new </a:t>
-            </a:r>
-            <a:r>
-              <a:rPr lang="en-US" dirty="0" err="1" smtClean="0"/>
-              <a:t>eventCandidate</a:t>
-            </a:r>
-            <a:endParaRPr lang="en-US" dirty="0" smtClean="0"/>
-          </a:p>
-          <a:p>
-            <a:pPr marL="342900" indent="-342900" algn="l" rtl="0">
-              <a:buAutoNum type="arabicPeriod"/>
-            </a:pPr>
-            <a:r>
-              <a:rPr lang="en-US" dirty="0" smtClean="0"/>
-              <a:t>Wait TIME_TO_COLLECT_EVENT_PHOTOS in order to wait for additional photos from </a:t>
-            </a:r>
-            <a:r>
-              <a:rPr lang="en-US" dirty="0" err="1" smtClean="0"/>
-              <a:t>EventCandidate</a:t>
-            </a:r>
-            <a:endParaRPr lang="en-US" dirty="0" smtClean="0"/>
-          </a:p>
-          <a:p>
-            <a:pPr marL="342900" indent="-342900" algn="l" rtl="0">
-              <a:buAutoNum type="arabicPeriod"/>
-            </a:pPr>
-            <a:r>
-              <a:rPr lang="en-US" dirty="0" smtClean="0"/>
-              <a:t>Decide if should wake collage generator :</a:t>
-            </a:r>
-          </a:p>
-          <a:p>
-            <a:pPr marL="800100" lvl="1" indent="-342900" algn="l" rtl="0">
-              <a:buAutoNum type="arabicPeriod"/>
-            </a:pPr>
-            <a:r>
-              <a:rPr lang="en-US" dirty="0" smtClean="0"/>
-              <a:t>NUMBER_OF_EVENTS</a:t>
-            </a:r>
-          </a:p>
-          <a:p>
-            <a:pPr marL="800100" lvl="1" indent="-342900" algn="l" rtl="0">
-              <a:buAutoNum type="arabicPeriod"/>
-            </a:pPr>
-            <a:r>
-              <a:rPr lang="en-US" dirty="0" smtClean="0"/>
-              <a:t>Special  Request From Collage generator: </a:t>
-            </a:r>
-          </a:p>
-          <a:p>
-            <a:pPr marL="1257300" lvl="2" indent="-342900" algn="l" rtl="0">
-              <a:buAutoNum type="arabicPeriod"/>
-            </a:pPr>
-            <a:r>
-              <a:rPr lang="en-US" dirty="0" smtClean="0"/>
-              <a:t>Not enough appropriate horizontal, vertical photos for scheme, wait for next event.</a:t>
-            </a:r>
-          </a:p>
-          <a:p>
-            <a:pPr marL="800100" lvl="1" indent="-342900" algn="l" rtl="0">
-              <a:buAutoNum type="arabicPeriod"/>
-            </a:pPr>
-            <a:r>
-              <a:rPr lang="en-US" dirty="0" smtClean="0"/>
-              <a:t>Special Request from Candidate Filter:</a:t>
-            </a:r>
-          </a:p>
-          <a:p>
-            <a:pPr marL="1257300" lvl="2" indent="-342900" algn="l" rtl="0">
-              <a:buFontTx/>
-              <a:buAutoNum type="arabicPeriod"/>
-            </a:pPr>
-            <a:r>
-              <a:rPr lang="en-US" dirty="0" smtClean="0"/>
-              <a:t>After filtering, there are not enough events needed for style, wait for more photos</a:t>
-            </a:r>
-          </a:p>
-          <a:p>
-            <a:pPr marL="1257300" lvl="2" indent="-342900" algn="l" rtl="0">
-              <a:buAutoNum type="arabicPeriod"/>
-            </a:pPr>
-            <a:endParaRPr lang="en-US" dirty="0" smtClean="0"/>
-          </a:p>
-          <a:p>
-            <a:pPr marL="342900" indent="-342900" algn="l" rtl="0">
-              <a:buAutoNum type="arabicPeriod"/>
-            </a:pPr>
-            <a:endParaRPr lang="en-US" dirty="0" smtClean="0"/>
-          </a:p>
-          <a:p>
-            <a:pPr marL="342900" indent="-342900" algn="l">
-              <a:buAutoNum type="arabicPeriod"/>
-            </a:pPr>
-            <a:endParaRPr lang="en-US" dirty="0" smtClean="0"/>
-          </a:p>
-        </p:txBody>
-      </p:sp>
-      <p:sp>
-        <p:nvSpPr>
-          <p:cNvPr id="8" name="Rectangle 7"/>
-          <p:cNvSpPr/>
-          <p:nvPr/>
-        </p:nvSpPr>
-        <p:spPr>
-          <a:xfrm>
-            <a:off x="323528" y="0"/>
-            <a:ext cx="2160240" cy="936104"/>
-          </a:xfrm>
-          <a:prstGeom prst="rect">
-            <a:avLst/>
-          </a:prstGeom>
-        </p:spPr>
-        <p:style>
-          <a:lnRef idx="2">
-            <a:schemeClr val="accent1">
-              <a:shade val="50000"/>
-            </a:schemeClr>
-          </a:lnRef>
-          <a:fillRef idx="1">
-            <a:schemeClr val="accent1"/>
-          </a:fillRef>
-          <a:effectRef idx="0">
-            <a:schemeClr val="accent1"/>
-          </a:effectRef>
-          <a:fontRef idx="minor">
-            <a:schemeClr val="lt1"/>
-          </a:fontRef>
-        </p:style>
-        <p:txBody>
-          <a:bodyPr rtlCol="1" anchor="ctr"/>
-          <a:lstStyle/>
-          <a:p>
-            <a:pPr algn="ctr"/>
-            <a:r>
-              <a:rPr lang="en-US" dirty="0" smtClean="0"/>
-              <a:t>Collage Generator</a:t>
-            </a:r>
-            <a:endParaRPr lang="he-IL" dirty="0"/>
-          </a:p>
-        </p:txBody>
-      </p:sp>
-      <p:sp>
-        <p:nvSpPr>
-          <p:cNvPr id="10" name="Bent-Up Arrow 9"/>
-          <p:cNvSpPr/>
-          <p:nvPr/>
-        </p:nvSpPr>
-        <p:spPr>
-          <a:xfrm rot="5400000">
-            <a:off x="827584" y="1160748"/>
-            <a:ext cx="1548172" cy="1548172"/>
-          </a:xfrm>
-          <a:prstGeom prst="bentUpArrow">
-            <a:avLst>
-              <a:gd name="adj1" fmla="val 25000"/>
-              <a:gd name="adj2" fmla="val 23125"/>
-              <a:gd name="adj3" fmla="val 25000"/>
-            </a:avLst>
-          </a:prstGeom>
-        </p:spPr>
-        <p:style>
-          <a:lnRef idx="2">
-            <a:schemeClr val="accent1">
-              <a:shade val="50000"/>
-            </a:schemeClr>
-          </a:lnRef>
-          <a:fillRef idx="1">
-            <a:schemeClr val="accent1"/>
-          </a:fillRef>
-          <a:effectRef idx="0">
-            <a:schemeClr val="accent1"/>
-          </a:effectRef>
-          <a:fontRef idx="minor">
-            <a:schemeClr val="lt1"/>
-          </a:fontRef>
-        </p:style>
-        <p:txBody>
-          <a:bodyPr rtlCol="1" anchor="ctr"/>
-          <a:lstStyle/>
-          <a:p>
-            <a:pPr algn="ctr"/>
-            <a:endParaRPr lang="he-IL"/>
-          </a:p>
-        </p:txBody>
-      </p:sp>
-      <p:sp>
-        <p:nvSpPr>
-          <p:cNvPr id="13" name="Down Arrow 12"/>
-          <p:cNvSpPr/>
-          <p:nvPr/>
-        </p:nvSpPr>
-        <p:spPr>
-          <a:xfrm>
-            <a:off x="7884368" y="72007"/>
-            <a:ext cx="504056" cy="1340769"/>
-          </a:xfrm>
-          <a:prstGeom prst="downArrow">
-            <a:avLst>
-              <a:gd name="adj1" fmla="val 50000"/>
-              <a:gd name="adj2" fmla="val 55759"/>
-            </a:avLst>
-          </a:prstGeom>
-        </p:spPr>
-        <p:style>
-          <a:lnRef idx="2">
-            <a:schemeClr val="accent1">
-              <a:shade val="50000"/>
-            </a:schemeClr>
-          </a:lnRef>
-          <a:fillRef idx="1">
-            <a:schemeClr val="accent1"/>
-          </a:fillRef>
-          <a:effectRef idx="0">
-            <a:schemeClr val="accent1"/>
-          </a:effectRef>
-          <a:fontRef idx="minor">
-            <a:schemeClr val="lt1"/>
-          </a:fontRef>
-        </p:style>
-        <p:txBody>
-          <a:bodyPr rtlCol="1" anchor="ctr"/>
-          <a:lstStyle/>
-          <a:p>
-            <a:pPr algn="l"/>
-            <a:r>
-              <a:rPr lang="en-US" dirty="0" smtClean="0"/>
-              <a:t>Input</a:t>
-            </a:r>
-            <a:endParaRPr lang="he-IL" dirty="0"/>
-          </a:p>
-        </p:txBody>
-      </p:sp>
-      <p:sp>
-        <p:nvSpPr>
-          <p:cNvPr id="15" name="TextBox 14"/>
-          <p:cNvSpPr txBox="1"/>
-          <p:nvPr/>
-        </p:nvSpPr>
-        <p:spPr>
-          <a:xfrm>
-            <a:off x="5652120" y="0"/>
-            <a:ext cx="2088232" cy="923330"/>
-          </a:xfrm>
-          <a:prstGeom prst="rect">
-            <a:avLst/>
-          </a:prstGeom>
-          <a:noFill/>
-        </p:spPr>
-        <p:txBody>
-          <a:bodyPr wrap="square" rtlCol="1">
-            <a:spAutoFit/>
-          </a:bodyPr>
-          <a:lstStyle/>
-          <a:p>
-            <a:pPr algn="l"/>
-            <a:r>
-              <a:rPr lang="en-US" dirty="0" smtClean="0"/>
-              <a:t>1. New Photo Event</a:t>
-            </a:r>
-            <a:endParaRPr lang="he-IL" dirty="0" smtClean="0"/>
-          </a:p>
-          <a:p>
-            <a:pPr algn="l"/>
-            <a:r>
-              <a:rPr lang="en-US" dirty="0" smtClean="0"/>
-              <a:t>2. Photo Data &amp; Events Container</a:t>
-            </a:r>
-            <a:endParaRPr lang="he-IL" dirty="0"/>
-          </a:p>
-        </p:txBody>
-      </p:sp>
-      <p:sp>
-        <p:nvSpPr>
-          <p:cNvPr id="16" name="Down Arrow 15"/>
-          <p:cNvSpPr/>
-          <p:nvPr/>
-        </p:nvSpPr>
-        <p:spPr>
-          <a:xfrm>
-            <a:off x="7812360" y="5229200"/>
-            <a:ext cx="504056" cy="1628800"/>
-          </a:xfrm>
-          <a:prstGeom prst="downArrow">
-            <a:avLst>
-              <a:gd name="adj1" fmla="val 50000"/>
-              <a:gd name="adj2" fmla="val 55759"/>
-            </a:avLst>
-          </a:prstGeom>
-        </p:spPr>
-        <p:style>
-          <a:lnRef idx="2">
-            <a:schemeClr val="accent1">
-              <a:shade val="50000"/>
-            </a:schemeClr>
-          </a:lnRef>
-          <a:fillRef idx="1">
-            <a:schemeClr val="accent1"/>
-          </a:fillRef>
-          <a:effectRef idx="0">
-            <a:schemeClr val="accent1"/>
-          </a:effectRef>
-          <a:fontRef idx="minor">
-            <a:schemeClr val="lt1"/>
-          </a:fontRef>
-        </p:style>
-        <p:txBody>
-          <a:bodyPr rtlCol="1" anchor="ctr"/>
-          <a:lstStyle/>
-          <a:p>
-            <a:pPr algn="l"/>
-            <a:r>
-              <a:rPr lang="en-US" dirty="0" smtClean="0"/>
-              <a:t>Output</a:t>
-            </a:r>
-            <a:endParaRPr lang="he-IL" dirty="0"/>
-          </a:p>
-        </p:txBody>
-      </p:sp>
-      <p:sp>
-        <p:nvSpPr>
-          <p:cNvPr id="17" name="TextBox 16"/>
-          <p:cNvSpPr txBox="1"/>
-          <p:nvPr/>
-        </p:nvSpPr>
-        <p:spPr>
-          <a:xfrm>
-            <a:off x="5796136" y="5517232"/>
-            <a:ext cx="2088232" cy="923330"/>
-          </a:xfrm>
-          <a:prstGeom prst="rect">
-            <a:avLst/>
-          </a:prstGeom>
-          <a:noFill/>
-        </p:spPr>
-        <p:txBody>
-          <a:bodyPr wrap="square" rtlCol="1">
-            <a:spAutoFit/>
-          </a:bodyPr>
-          <a:lstStyle/>
-          <a:p>
-            <a:pPr algn="l"/>
-            <a:r>
-              <a:rPr lang="en-US" dirty="0" smtClean="0"/>
-              <a:t>1. Wake Clustering </a:t>
-            </a:r>
-            <a:r>
-              <a:rPr lang="he-IL" dirty="0" smtClean="0"/>
-              <a:t>     </a:t>
-            </a:r>
-            <a:r>
-              <a:rPr lang="en-US" dirty="0" smtClean="0"/>
-              <a:t>Module With new </a:t>
-            </a:r>
-            <a:r>
-              <a:rPr lang="en-US" dirty="0"/>
-              <a:t>p</a:t>
-            </a:r>
-            <a:r>
-              <a:rPr lang="en-US" dirty="0" smtClean="0"/>
-              <a:t>hotos data</a:t>
-            </a:r>
-            <a:endParaRPr lang="he-IL" dirty="0" smtClean="0"/>
-          </a:p>
-        </p:txBody>
-      </p:sp>
-      <p:sp>
-        <p:nvSpPr>
-          <p:cNvPr id="18" name="TextBox 17"/>
-          <p:cNvSpPr txBox="1"/>
-          <p:nvPr/>
-        </p:nvSpPr>
-        <p:spPr>
-          <a:xfrm>
-            <a:off x="2555776" y="188640"/>
-            <a:ext cx="3168352" cy="1077218"/>
-          </a:xfrm>
-          <a:prstGeom prst="rect">
-            <a:avLst/>
-          </a:prstGeom>
-          <a:noFill/>
-        </p:spPr>
-        <p:txBody>
-          <a:bodyPr wrap="square" rtlCol="1">
-            <a:spAutoFit/>
-          </a:bodyPr>
-          <a:lstStyle/>
-          <a:p>
-            <a:pPr algn="ctr"/>
-            <a:r>
-              <a:rPr lang="en-US" sz="3200" dirty="0" smtClean="0"/>
-              <a:t>Activation Manager</a:t>
-            </a:r>
-            <a:endParaRPr lang="he-IL" sz="3200" dirty="0"/>
           </a:p>
         </p:txBody>
       </p:sp>
@@ -5549,95 +5314,451 @@
       </p:grpSpPr>
       <p:sp>
         <p:nvSpPr>
-          <p:cNvPr id="2" name="Title 1"/>
-          <p:cNvSpPr>
-            <a:spLocks noGrp="1"/>
-          </p:cNvSpPr>
-          <p:nvPr>
-            <p:ph type="title"/>
-          </p:nvPr>
-        </p:nvSpPr>
-        <p:spPr/>
-        <p:txBody>
-          <a:bodyPr/>
-          <a:lstStyle/>
-          <a:p>
-            <a:r>
-              <a:rPr lang="en-US" dirty="0" smtClean="0"/>
-              <a:t>Activation Manager Regular Mode</a:t>
-            </a:r>
-            <a:endParaRPr lang="he-IL" dirty="0"/>
-          </a:p>
-        </p:txBody>
-      </p:sp>
-      <p:sp>
-        <p:nvSpPr>
-          <p:cNvPr id="3" name="Content Placeholder 2"/>
-          <p:cNvSpPr>
-            <a:spLocks noGrp="1"/>
-          </p:cNvSpPr>
-          <p:nvPr>
-            <p:ph idx="1"/>
-          </p:nvPr>
-        </p:nvSpPr>
-        <p:spPr/>
-        <p:txBody>
-          <a:bodyPr>
-            <a:normAutofit/>
-          </a:bodyPr>
-          <a:lstStyle/>
-          <a:p>
-            <a:pPr algn="l" rtl="0"/>
-            <a:r>
-              <a:rPr lang="en-US" dirty="0" smtClean="0"/>
-              <a:t>Regular mode – work with photos received from Listener as usual.</a:t>
-            </a:r>
-          </a:p>
-          <a:p>
-            <a:pPr lvl="1" algn="l" rtl="0"/>
-            <a:r>
-              <a:rPr lang="en-US" dirty="0" smtClean="0"/>
-              <a:t>First photo received (== container is empty), this is a new </a:t>
+          <p:cNvPr id="4" name="Rectangle 3"/>
+          <p:cNvSpPr/>
+          <p:nvPr/>
+        </p:nvSpPr>
+        <p:spPr>
+          <a:xfrm>
+            <a:off x="2771800" y="1484784"/>
+            <a:ext cx="5544616" cy="3960440"/>
+          </a:xfrm>
+          <a:prstGeom prst="rect">
+            <a:avLst/>
+          </a:prstGeom>
+        </p:spPr>
+        <p:style>
+          <a:lnRef idx="2">
+            <a:schemeClr val="accent1">
+              <a:shade val="50000"/>
+            </a:schemeClr>
+          </a:lnRef>
+          <a:fillRef idx="1">
+            <a:schemeClr val="accent1"/>
+          </a:fillRef>
+          <a:effectRef idx="0">
+            <a:schemeClr val="accent1"/>
+          </a:effectRef>
+          <a:fontRef idx="minor">
+            <a:schemeClr val="lt1"/>
+          </a:fontRef>
+        </p:style>
+        <p:txBody>
+          <a:bodyPr rtlCol="1" anchor="ctr"/>
+          <a:lstStyle/>
+          <a:p>
+            <a:pPr marL="342900" indent="-342900" algn="l" rtl="0">
+              <a:buAutoNum type="arabicPeriod"/>
+            </a:pPr>
+            <a:endParaRPr lang="en-US" dirty="0" smtClean="0"/>
+          </a:p>
+          <a:p>
+            <a:pPr marL="342900" indent="-342900" algn="l" rtl="0">
+              <a:buAutoNum type="arabicPeriod"/>
+            </a:pPr>
+            <a:r>
+              <a:rPr lang="en-US" dirty="0" smtClean="0"/>
+              <a:t>Check if time &amp; </a:t>
+            </a:r>
+            <a:r>
+              <a:rPr lang="en-US" dirty="0" err="1" smtClean="0"/>
+              <a:t>loction</a:t>
+            </a:r>
+            <a:r>
+              <a:rPr lang="en-US" dirty="0" smtClean="0"/>
+              <a:t> delta from last photo, to decide if new </a:t>
+            </a:r>
+            <a:r>
+              <a:rPr lang="en-US" dirty="0" err="1" smtClean="0"/>
+              <a:t>eventCandidate</a:t>
+            </a:r>
+            <a:endParaRPr lang="en-US" dirty="0" smtClean="0"/>
+          </a:p>
+          <a:p>
+            <a:pPr marL="342900" indent="-342900" algn="l" rtl="0">
+              <a:buAutoNum type="arabicPeriod"/>
+            </a:pPr>
+            <a:r>
+              <a:rPr lang="en-US" dirty="0" smtClean="0"/>
+              <a:t>Wait TIME_TO_COLLECT_EVENT_PHOTOS in order to wait for additional photos from </a:t>
             </a:r>
             <a:r>
               <a:rPr lang="en-US" dirty="0" err="1" smtClean="0"/>
               <a:t>EventCandidate</a:t>
             </a:r>
-            <a:r>
-              <a:rPr lang="en-US" dirty="0" smtClean="0"/>
-              <a:t> automatically</a:t>
-            </a:r>
-          </a:p>
-          <a:p>
-            <a:pPr lvl="1" algn="l" rtl="0"/>
-            <a:r>
-              <a:rPr lang="en-US" dirty="0" smtClean="0"/>
-              <a:t>Upon arrival of next photos calculate vector score from &lt;</a:t>
-            </a:r>
-            <a:r>
-              <a:rPr lang="en-US" dirty="0" err="1" smtClean="0"/>
-              <a:t>distance_delta_from_last_photo</a:t>
-            </a:r>
-            <a:r>
-              <a:rPr lang="en-US" dirty="0" smtClean="0"/>
-              <a:t>, </a:t>
-            </a:r>
-            <a:r>
-              <a:rPr lang="en-US" dirty="0" err="1" smtClean="0"/>
-              <a:t>time_delta_from_last_photo</a:t>
-            </a:r>
-            <a:r>
-              <a:rPr lang="en-US" dirty="0" smtClean="0"/>
-              <a:t>&gt;</a:t>
-            </a:r>
-          </a:p>
-          <a:p>
-            <a:pPr lvl="1" algn="l" rtl="0"/>
-            <a:r>
-              <a:rPr lang="en-US" dirty="0" smtClean="0"/>
-              <a:t>After NUMBER_OF_EVENT_CANDIDATE  notify Partitioning module</a:t>
+            <a:endParaRPr lang="en-US" dirty="0" smtClean="0"/>
+          </a:p>
+          <a:p>
+            <a:pPr marL="342900" indent="-342900" algn="l" rtl="0">
+              <a:buAutoNum type="arabicPeriod"/>
+            </a:pPr>
+            <a:r>
+              <a:rPr lang="en-US" dirty="0" smtClean="0"/>
+              <a:t>Decide if should wake collage generator :</a:t>
+            </a:r>
+          </a:p>
+          <a:p>
+            <a:pPr marL="800100" lvl="1" indent="-342900" algn="l" rtl="0">
+              <a:buAutoNum type="arabicPeriod"/>
+            </a:pPr>
+            <a:r>
+              <a:rPr lang="en-US" dirty="0" smtClean="0"/>
+              <a:t>NUMBER_OF_EVENTS</a:t>
+            </a:r>
+          </a:p>
+          <a:p>
+            <a:pPr marL="800100" lvl="1" indent="-342900" algn="l" rtl="0">
+              <a:buAutoNum type="arabicPeriod"/>
+            </a:pPr>
+            <a:r>
+              <a:rPr lang="en-US" dirty="0" smtClean="0"/>
+              <a:t>Special  Request From Collage generator: </a:t>
+            </a:r>
+          </a:p>
+          <a:p>
+            <a:pPr marL="1257300" lvl="2" indent="-342900" algn="l" rtl="0">
+              <a:buAutoNum type="arabicPeriod"/>
+            </a:pPr>
+            <a:r>
+              <a:rPr lang="en-US" dirty="0" smtClean="0"/>
+              <a:t>Not enough appropriate horizontal, vertical photos for scheme, wait for next event.</a:t>
+            </a:r>
+          </a:p>
+          <a:p>
+            <a:pPr marL="800100" lvl="1" indent="-342900" algn="l" rtl="0">
+              <a:buAutoNum type="arabicPeriod"/>
+            </a:pPr>
+            <a:r>
+              <a:rPr lang="en-US" dirty="0" smtClean="0"/>
+              <a:t>Special Request from Candidate Filter:</a:t>
+            </a:r>
+          </a:p>
+          <a:p>
+            <a:pPr marL="1257300" lvl="2" indent="-342900" algn="l" rtl="0">
+              <a:buFontTx/>
+              <a:buAutoNum type="arabicPeriod"/>
+            </a:pPr>
+            <a:r>
+              <a:rPr lang="en-US" dirty="0" smtClean="0"/>
+              <a:t>After filtering, there are not enough events needed for style, wait for more photos</a:t>
+            </a:r>
+          </a:p>
+          <a:p>
+            <a:pPr marL="1257300" lvl="2" indent="-342900" algn="l" rtl="0">
+              <a:buAutoNum type="arabicPeriod"/>
+            </a:pPr>
+            <a:endParaRPr lang="en-US" dirty="0" smtClean="0"/>
+          </a:p>
+          <a:p>
+            <a:pPr marL="342900" indent="-342900" algn="l" rtl="0">
+              <a:buAutoNum type="arabicPeriod"/>
+            </a:pPr>
+            <a:endParaRPr lang="en-US" dirty="0" smtClean="0"/>
+          </a:p>
+          <a:p>
+            <a:pPr marL="342900" indent="-342900" algn="l">
+              <a:buAutoNum type="arabicPeriod"/>
+            </a:pPr>
+            <a:endParaRPr lang="en-US" dirty="0" smtClean="0"/>
+          </a:p>
+        </p:txBody>
+      </p:sp>
+      <p:sp>
+        <p:nvSpPr>
+          <p:cNvPr id="8" name="Rectangle 7"/>
+          <p:cNvSpPr/>
+          <p:nvPr/>
+        </p:nvSpPr>
+        <p:spPr>
+          <a:xfrm>
+            <a:off x="323528" y="0"/>
+            <a:ext cx="2160240" cy="936104"/>
+          </a:xfrm>
+          <a:prstGeom prst="rect">
+            <a:avLst/>
+          </a:prstGeom>
+        </p:spPr>
+        <p:style>
+          <a:lnRef idx="2">
+            <a:schemeClr val="accent1">
+              <a:shade val="50000"/>
+            </a:schemeClr>
+          </a:lnRef>
+          <a:fillRef idx="1">
+            <a:schemeClr val="accent1"/>
+          </a:fillRef>
+          <a:effectRef idx="0">
+            <a:schemeClr val="accent1"/>
+          </a:effectRef>
+          <a:fontRef idx="minor">
+            <a:schemeClr val="lt1"/>
+          </a:fontRef>
+        </p:style>
+        <p:txBody>
+          <a:bodyPr rtlCol="1" anchor="ctr"/>
+          <a:lstStyle/>
+          <a:p>
+            <a:pPr algn="ctr"/>
+            <a:r>
+              <a:rPr lang="en-US" dirty="0" smtClean="0"/>
+              <a:t>Collage Generator</a:t>
             </a:r>
             <a:endParaRPr lang="he-IL" dirty="0"/>
+          </a:p>
+        </p:txBody>
+      </p:sp>
+      <p:sp>
+        <p:nvSpPr>
+          <p:cNvPr id="10" name="Bent-Up Arrow 9"/>
+          <p:cNvSpPr/>
+          <p:nvPr/>
+        </p:nvSpPr>
+        <p:spPr>
+          <a:xfrm rot="5400000">
+            <a:off x="827584" y="1160748"/>
+            <a:ext cx="1548172" cy="1548172"/>
+          </a:xfrm>
+          <a:prstGeom prst="bentUpArrow">
+            <a:avLst>
+              <a:gd name="adj1" fmla="val 25000"/>
+              <a:gd name="adj2" fmla="val 23125"/>
+              <a:gd name="adj3" fmla="val 25000"/>
+            </a:avLst>
+          </a:prstGeom>
+        </p:spPr>
+        <p:style>
+          <a:lnRef idx="2">
+            <a:schemeClr val="accent1">
+              <a:shade val="50000"/>
+            </a:schemeClr>
+          </a:lnRef>
+          <a:fillRef idx="1">
+            <a:schemeClr val="accent1"/>
+          </a:fillRef>
+          <a:effectRef idx="0">
+            <a:schemeClr val="accent1"/>
+          </a:effectRef>
+          <a:fontRef idx="minor">
+            <a:schemeClr val="lt1"/>
+          </a:fontRef>
+        </p:style>
+        <p:txBody>
+          <a:bodyPr rtlCol="1" anchor="ctr"/>
+          <a:lstStyle/>
+          <a:p>
+            <a:pPr algn="ctr"/>
+            <a:endParaRPr lang="he-IL"/>
+          </a:p>
+        </p:txBody>
+      </p:sp>
+      <p:sp>
+        <p:nvSpPr>
+          <p:cNvPr id="13" name="Down Arrow 12"/>
+          <p:cNvSpPr/>
+          <p:nvPr/>
+        </p:nvSpPr>
+        <p:spPr>
+          <a:xfrm>
+            <a:off x="7884368" y="72007"/>
+            <a:ext cx="504056" cy="1340769"/>
+          </a:xfrm>
+          <a:prstGeom prst="downArrow">
+            <a:avLst>
+              <a:gd name="adj1" fmla="val 50000"/>
+              <a:gd name="adj2" fmla="val 55759"/>
+            </a:avLst>
+          </a:prstGeom>
+        </p:spPr>
+        <p:style>
+          <a:lnRef idx="2">
+            <a:schemeClr val="accent1">
+              <a:shade val="50000"/>
+            </a:schemeClr>
+          </a:lnRef>
+          <a:fillRef idx="1">
+            <a:schemeClr val="accent1"/>
+          </a:fillRef>
+          <a:effectRef idx="0">
+            <a:schemeClr val="accent1"/>
+          </a:effectRef>
+          <a:fontRef idx="minor">
+            <a:schemeClr val="lt1"/>
+          </a:fontRef>
+        </p:style>
+        <p:txBody>
+          <a:bodyPr rtlCol="1" anchor="ctr"/>
+          <a:lstStyle/>
+          <a:p>
+            <a:pPr algn="l"/>
+            <a:r>
+              <a:rPr lang="en-US" dirty="0" smtClean="0"/>
+              <a:t>Input</a:t>
+            </a:r>
+            <a:endParaRPr lang="he-IL" dirty="0"/>
+          </a:p>
+        </p:txBody>
+      </p:sp>
+      <p:sp>
+        <p:nvSpPr>
+          <p:cNvPr id="15" name="TextBox 14"/>
+          <p:cNvSpPr txBox="1"/>
+          <p:nvPr/>
+        </p:nvSpPr>
+        <p:spPr>
+          <a:xfrm>
+            <a:off x="5652120" y="0"/>
+            <a:ext cx="2088232" cy="923330"/>
+          </a:xfrm>
+          <a:prstGeom prst="rect">
+            <a:avLst/>
+          </a:prstGeom>
+          <a:noFill/>
+        </p:spPr>
+        <p:txBody>
+          <a:bodyPr wrap="square" rtlCol="1">
+            <a:spAutoFit/>
+          </a:bodyPr>
+          <a:lstStyle/>
+          <a:p>
+            <a:pPr algn="l"/>
+            <a:r>
+              <a:rPr lang="en-US" dirty="0" smtClean="0"/>
+              <a:t>1. New Photo Event</a:t>
+            </a:r>
+            <a:endParaRPr lang="he-IL" dirty="0" smtClean="0"/>
+          </a:p>
+          <a:p>
+            <a:pPr algn="l"/>
+            <a:r>
+              <a:rPr lang="en-US" dirty="0" smtClean="0"/>
+              <a:t>2. Photo Data &amp; Events Container</a:t>
+            </a:r>
+            <a:endParaRPr lang="he-IL" dirty="0"/>
+          </a:p>
+        </p:txBody>
+      </p:sp>
+      <p:sp>
+        <p:nvSpPr>
+          <p:cNvPr id="16" name="Down Arrow 15"/>
+          <p:cNvSpPr/>
+          <p:nvPr/>
+        </p:nvSpPr>
+        <p:spPr>
+          <a:xfrm>
+            <a:off x="7812360" y="5229200"/>
+            <a:ext cx="504056" cy="1628800"/>
+          </a:xfrm>
+          <a:prstGeom prst="downArrow">
+            <a:avLst>
+              <a:gd name="adj1" fmla="val 50000"/>
+              <a:gd name="adj2" fmla="val 55759"/>
+            </a:avLst>
+          </a:prstGeom>
+        </p:spPr>
+        <p:style>
+          <a:lnRef idx="2">
+            <a:schemeClr val="accent1">
+              <a:shade val="50000"/>
+            </a:schemeClr>
+          </a:lnRef>
+          <a:fillRef idx="1">
+            <a:schemeClr val="accent1"/>
+          </a:fillRef>
+          <a:effectRef idx="0">
+            <a:schemeClr val="accent1"/>
+          </a:effectRef>
+          <a:fontRef idx="minor">
+            <a:schemeClr val="lt1"/>
+          </a:fontRef>
+        </p:style>
+        <p:txBody>
+          <a:bodyPr rtlCol="1" anchor="ctr"/>
+          <a:lstStyle/>
+          <a:p>
+            <a:pPr algn="l"/>
+            <a:r>
+              <a:rPr lang="en-US" dirty="0" smtClean="0"/>
+              <a:t>Output</a:t>
+            </a:r>
+            <a:endParaRPr lang="he-IL" dirty="0"/>
+          </a:p>
+        </p:txBody>
+      </p:sp>
+      <p:sp>
+        <p:nvSpPr>
+          <p:cNvPr id="17" name="TextBox 16"/>
+          <p:cNvSpPr txBox="1"/>
+          <p:nvPr/>
+        </p:nvSpPr>
+        <p:spPr>
+          <a:xfrm>
+            <a:off x="5796136" y="5517232"/>
+            <a:ext cx="2088232" cy="923330"/>
+          </a:xfrm>
+          <a:prstGeom prst="rect">
+            <a:avLst/>
+          </a:prstGeom>
+          <a:noFill/>
+        </p:spPr>
+        <p:txBody>
+          <a:bodyPr wrap="square" rtlCol="1">
+            <a:spAutoFit/>
+          </a:bodyPr>
+          <a:lstStyle/>
+          <a:p>
+            <a:pPr algn="l"/>
+            <a:r>
+              <a:rPr lang="en-US" dirty="0" smtClean="0"/>
+              <a:t>1. Wake Clustering </a:t>
+            </a:r>
+            <a:r>
+              <a:rPr lang="he-IL" dirty="0" smtClean="0"/>
+              <a:t>     </a:t>
+            </a:r>
+            <a:r>
+              <a:rPr lang="en-US" dirty="0" smtClean="0"/>
+              <a:t>Module With new </a:t>
+            </a:r>
+            <a:r>
+              <a:rPr lang="en-US" dirty="0"/>
+              <a:t>p</a:t>
+            </a:r>
+            <a:r>
+              <a:rPr lang="en-US" dirty="0" smtClean="0"/>
+              <a:t>hotos data</a:t>
+            </a:r>
+            <a:endParaRPr lang="he-IL" dirty="0" smtClean="0"/>
+          </a:p>
+        </p:txBody>
+      </p:sp>
+      <p:sp>
+        <p:nvSpPr>
+          <p:cNvPr id="18" name="TextBox 17"/>
+          <p:cNvSpPr txBox="1"/>
+          <p:nvPr/>
+        </p:nvSpPr>
+        <p:spPr>
+          <a:xfrm>
+            <a:off x="2555776" y="188640"/>
+            <a:ext cx="3168352" cy="1077218"/>
+          </a:xfrm>
+          <a:prstGeom prst="rect">
+            <a:avLst/>
+          </a:prstGeom>
+          <a:noFill/>
+        </p:spPr>
+        <p:txBody>
+          <a:bodyPr wrap="square" rtlCol="1">
+            <a:spAutoFit/>
+          </a:bodyPr>
+          <a:lstStyle/>
+          <a:p>
+            <a:pPr algn="ctr"/>
+            <a:r>
+              <a:rPr lang="en-US" sz="3200" dirty="0" smtClean="0"/>
+              <a:t>Activation Manager</a:t>
+            </a:r>
+            <a:endParaRPr lang="he-IL" sz="3200" dirty="0"/>
           </a:p>
         </p:txBody>
       </p:sp>
@@ -5646,6 +5767,13 @@
   <p:clrMapOvr>
     <a:masterClrMapping/>
   </p:clrMapOvr>
+  <p:timing>
+    <p:tnLst>
+      <p:par>
+        <p:cTn id="1" dur="indefinite" restart="never" nodeType="tmRoot"/>
+      </p:par>
+    </p:tnLst>
+  </p:timing>
 </p:sld>
 </file>
 
@@ -5678,122 +5806,84 @@
         </p:nvSpPr>
         <p:spPr/>
         <p:txBody>
+          <a:bodyPr/>
+          <a:lstStyle/>
+          <a:p>
+            <a:r>
+              <a:rPr lang="en-US" dirty="0" smtClean="0"/>
+              <a:t>Activation Manager Regular Mode</a:t>
+            </a:r>
+            <a:endParaRPr lang="he-IL" dirty="0"/>
+          </a:p>
+        </p:txBody>
+      </p:sp>
+      <p:sp>
+        <p:nvSpPr>
+          <p:cNvPr id="3" name="Content Placeholder 2"/>
+          <p:cNvSpPr>
+            <a:spLocks noGrp="1"/>
+          </p:cNvSpPr>
+          <p:nvPr>
+            <p:ph idx="1"/>
+          </p:nvPr>
+        </p:nvSpPr>
+        <p:spPr/>
+        <p:txBody>
           <a:bodyPr>
-            <a:normAutofit fontScale="90000"/>
+            <a:normAutofit/>
           </a:bodyPr>
           <a:lstStyle/>
           <a:p>
-            <a:r>
-              <a:rPr lang="en-US" dirty="0" smtClean="0"/>
-              <a:t>Decision-Making Data of Activation Manager</a:t>
-            </a:r>
-            <a:endParaRPr lang="he-IL" dirty="0"/>
-          </a:p>
-        </p:txBody>
-      </p:sp>
-      <p:sp>
-        <p:nvSpPr>
-          <p:cNvPr id="3" name="Content Placeholder 2"/>
-          <p:cNvSpPr>
-            <a:spLocks noGrp="1"/>
-          </p:cNvSpPr>
-          <p:nvPr>
-            <p:ph idx="1"/>
-          </p:nvPr>
-        </p:nvSpPr>
-        <p:spPr/>
-        <p:txBody>
-          <a:bodyPr>
-            <a:normAutofit fontScale="70000" lnSpcReduction="20000"/>
-          </a:bodyPr>
-          <a:lstStyle/>
-          <a:p>
             <a:pPr algn="l" rtl="0"/>
             <a:r>
               <a:rPr lang="en-US" dirty="0" smtClean="0"/>
-              <a:t>Manager is receiving different kinds of requests that update its decision making process.</a:t>
-            </a:r>
-          </a:p>
-          <a:p>
-            <a:pPr algn="l" rtl="0"/>
-            <a:r>
-              <a:rPr lang="en-US" dirty="0" smtClean="0"/>
-              <a:t>Request parameters:</a:t>
+              <a:t>Regular mode – work with photos received from Listener as usual.</a:t>
             </a:r>
           </a:p>
           <a:p>
             <a:pPr lvl="1" algn="l" rtl="0"/>
             <a:r>
               <a:rPr lang="en-US" dirty="0" smtClean="0"/>
-              <a:t>Horizontal/vertical  number of photos needed. Upon receiving the requested photos– activate rest of flow</a:t>
+              <a:t>First photo received (== container is empty), this is a new </a:t>
+            </a:r>
+            <a:r>
+              <a:rPr lang="en-US" dirty="0" err="1" smtClean="0"/>
+              <a:t>EventCandidate</a:t>
+            </a:r>
+            <a:r>
+              <a:rPr lang="en-US" dirty="0" smtClean="0"/>
+              <a:t> automatically</a:t>
             </a:r>
           </a:p>
           <a:p>
             <a:pPr lvl="1" algn="l" rtl="0"/>
             <a:r>
               <a:rPr lang="en-US" dirty="0" smtClean="0"/>
-              <a:t> number of needed events (if after selector there are empty events) . Upon receiving this number – update NUMBER_OF_EVENT_CANDIDATE. </a:t>
-            </a:r>
-          </a:p>
-          <a:p>
-            <a:pPr lvl="1" algn="l" rtl="0">
-              <a:buNone/>
-            </a:pPr>
-            <a:r>
-              <a:rPr lang="en-US" dirty="0" smtClean="0"/>
-              <a:t>	</a:t>
+              <a:t>Upon arrival of next photos calculate vector score from &lt;</a:t>
             </a:r>
             <a:r>
               <a:rPr lang="en-US" dirty="0" err="1" smtClean="0"/>
-              <a:t>E.g</a:t>
-            </a:r>
-            <a:r>
-              <a:rPr lang="en-US" dirty="0" smtClean="0"/>
-              <a:t>: NUMBER_OF_EVENT_CANDIDATE == 10, </a:t>
+              <a:t>distance_delta_from_last_photo</a:t>
+            </a:r>
+            <a:r>
+              <a:rPr lang="en-US" dirty="0" smtClean="0"/>
+              <a:t>, </a:t>
             </a:r>
             <a:r>
               <a:rPr lang="en-US" dirty="0" err="1" smtClean="0"/>
-              <a:t>NeededEvents</a:t>
-            </a:r>
-            <a:r>
-              <a:rPr lang="en-US" dirty="0" smtClean="0"/>
-              <a:t> == 1 == &gt; NUMBER_OF_EVENT_CANDIDATE == 1</a:t>
-            </a:r>
-          </a:p>
-          <a:p>
-            <a:pPr lvl="1" algn="l" rtl="0">
-              <a:buNone/>
-            </a:pPr>
-            <a:r>
-              <a:rPr lang="en-US" dirty="0" smtClean="0"/>
-              <a:t>-After activating rest of flow, wait for response. Buffer any incoming photos.</a:t>
-            </a:r>
-          </a:p>
-          <a:p>
-            <a:pPr lvl="1" algn="l" rtl="0">
-              <a:buNone/>
-            </a:pPr>
-            <a:r>
-              <a:rPr lang="en-US" dirty="0" smtClean="0"/>
-              <a:t>- After SUCCESSFUL response from collage generator NUMBER_OF_EVENT_CANDIDATE is reset, and deal with any buffered photos and resume regular mode.</a:t>
-            </a:r>
-          </a:p>
-          <a:p>
-            <a:pPr lvl="1" algn="l" rtl="0">
-              <a:buNone/>
-            </a:pPr>
-            <a:endParaRPr lang="en-US" dirty="0" smtClean="0"/>
+              <a:t>time_delta_from_last_photo</a:t>
+            </a:r>
+            <a:r>
+              <a:rPr lang="en-US" dirty="0" smtClean="0"/>
+              <a:t>&gt;</a:t>
+            </a:r>
           </a:p>
           <a:p>
             <a:pPr lvl="1" algn="l" rtl="0"/>
-            <a:endParaRPr lang="en-US" dirty="0" smtClean="0"/>
-          </a:p>
-          <a:p>
-            <a:pPr lvl="1" algn="l" rtl="0"/>
-            <a:endParaRPr lang="en-US" dirty="0" smtClean="0"/>
-          </a:p>
-          <a:p>
-            <a:pPr lvl="1" algn="l" rtl="0"/>
+            <a:r>
+              <a:rPr lang="en-US" dirty="0" smtClean="0"/>
+              <a:t>After NUMBER_OF_EVENT_CANDIDATE  notify Partitioning module</a:t>
+            </a:r>
             <a:endParaRPr lang="he-IL" dirty="0"/>
           </a:p>
         </p:txBody>
@@ -5835,12 +5925,14 @@
         </p:nvSpPr>
         <p:spPr/>
         <p:txBody>
-          <a:bodyPr/>
-          <a:lstStyle/>
-          <a:p>
-            <a:r>
-              <a:rPr lang="en-US" dirty="0" smtClean="0"/>
-              <a:t>Map Generator</a:t>
+          <a:bodyPr>
+            <a:normAutofit fontScale="90000"/>
+          </a:bodyPr>
+          <a:lstStyle/>
+          <a:p>
+            <a:r>
+              <a:rPr lang="en-US" dirty="0" smtClean="0"/>
+              <a:t>Decision-Making Data of Activation Manager</a:t>
             </a:r>
             <a:endParaRPr lang="he-IL" dirty="0"/>
           </a:p>
@@ -5859,195 +5951,97 @@
         <p:spPr/>
         <p:txBody>
           <a:bodyPr>
-            <a:normAutofit fontScale="62500" lnSpcReduction="20000"/>
+            <a:normAutofit fontScale="70000" lnSpcReduction="20000"/>
           </a:bodyPr>
           <a:lstStyle/>
           <a:p>
             <a:pPr algn="l" rtl="0"/>
             <a:r>
               <a:rPr lang="en-US" dirty="0" smtClean="0"/>
-              <a:t>Input: </a:t>
+              <a:t>Manager is receiving different kinds of requests that update its decision making process.</a:t>
+            </a:r>
+          </a:p>
+          <a:p>
+            <a:pPr algn="l" rtl="0"/>
+            <a:r>
+              <a:rPr lang="en-US" dirty="0" smtClean="0"/>
+              <a:t>Request parameters:</a:t>
             </a:r>
           </a:p>
           <a:p>
             <a:pPr lvl="1" algn="l" rtl="0"/>
             <a:r>
               <a:rPr lang="en-US" dirty="0" smtClean="0"/>
-              <a:t>List&lt;Event&gt; from candidate selector</a:t>
-            </a:r>
-          </a:p>
-          <a:p>
-            <a:pPr algn="l" rtl="0"/>
-            <a:r>
-              <a:rPr lang="en-US" dirty="0" smtClean="0"/>
-              <a:t>Flow</a:t>
-            </a:r>
-            <a:r>
-              <a:rPr lang="en-US" dirty="0" smtClean="0"/>
-              <a:t>:</a:t>
-            </a:r>
-          </a:p>
-          <a:p>
-            <a:pPr algn="l" rtl="0"/>
-            <a:r>
-              <a:rPr lang="en-US" dirty="0" smtClean="0"/>
-              <a:t>- check for event with 0 photos </a:t>
-            </a:r>
-            <a:r>
-              <a:rPr lang="en-US" dirty="0" smtClean="0">
-                <a:sym typeface="Wingdings" pitchFamily="2" charset="2"/>
-              </a:rPr>
-              <a:t> update activation manager, and finish.</a:t>
-            </a:r>
+              <a:t>Horizontal/vertical  number of photos needed. Upon receiving the requested photos– activate rest of flow</a:t>
+            </a:r>
+          </a:p>
+          <a:p>
+            <a:pPr lvl="1" algn="l" rtl="0"/>
+            <a:r>
+              <a:rPr lang="en-US" dirty="0" smtClean="0"/>
+              <a:t> number of needed events (if after selector there are empty events) . Upon receiving this number – update NUMBER_OF_EVENT_CANDIDATE. </a:t>
+            </a:r>
+          </a:p>
+          <a:p>
+            <a:pPr lvl="1" algn="l" rtl="0">
+              <a:buNone/>
+            </a:pPr>
+            <a:r>
+              <a:rPr lang="en-US" dirty="0" smtClean="0"/>
+              <a:t>	</a:t>
+            </a:r>
+            <a:r>
+              <a:rPr lang="en-US" dirty="0" err="1" smtClean="0"/>
+              <a:t>E.g</a:t>
+            </a:r>
+            <a:r>
+              <a:rPr lang="en-US" dirty="0" smtClean="0"/>
+              <a:t>: NUMBER_OF_EVENT_CANDIDATE == 10, </a:t>
+            </a:r>
+            <a:r>
+              <a:rPr lang="en-US" dirty="0" err="1" smtClean="0"/>
+              <a:t>NeededEvents</a:t>
+            </a:r>
+            <a:r>
+              <a:rPr lang="en-US" dirty="0" smtClean="0"/>
+              <a:t> == 1 == &gt; NUMBER_OF_EVENT_CANDIDATE == 1</a:t>
+            </a:r>
+          </a:p>
+          <a:p>
+            <a:pPr lvl="1" algn="l" rtl="0">
+              <a:buNone/>
+            </a:pPr>
+            <a:r>
+              <a:rPr lang="en-US" dirty="0" smtClean="0"/>
+              <a:t>-After activating rest of flow, wait for response. Buffer any incoming photos.</a:t>
+            </a:r>
+          </a:p>
+          <a:p>
+            <a:pPr lvl="1" algn="l" rtl="0">
+              <a:buNone/>
+            </a:pPr>
+            <a:r>
+              <a:rPr lang="en-US" dirty="0" smtClean="0"/>
+              <a:t>- After SUCCESSFUL response from collage generator NUMBER_OF_EVENT_CANDIDATE is reset, and deal with any buffered photos and resume regular mode.</a:t>
+            </a:r>
+          </a:p>
+          <a:p>
+            <a:pPr lvl="1" algn="l" rtl="0">
+              <a:buNone/>
+            </a:pPr>
             <a:endParaRPr lang="en-US" dirty="0" smtClean="0"/>
           </a:p>
           <a:p>
             <a:pPr lvl="1" algn="l" rtl="0"/>
-            <a:r>
-              <a:rPr lang="en-US" dirty="0" smtClean="0"/>
-              <a:t>Calculate </a:t>
-            </a:r>
-            <a:r>
-              <a:rPr lang="en-US" dirty="0" err="1" smtClean="0"/>
-              <a:t>BoundingBox</a:t>
-            </a:r>
-            <a:r>
-              <a:rPr lang="en-US" dirty="0" smtClean="0"/>
-              <a:t> of all locations, slice it into SIZE X SIZE cells (each cell has a fixed range on (</a:t>
-            </a:r>
-            <a:r>
-              <a:rPr lang="en-US" dirty="0" err="1" smtClean="0"/>
-              <a:t>x,y</a:t>
-            </a:r>
-            <a:r>
-              <a:rPr lang="en-US" dirty="0" smtClean="0"/>
-              <a:t>), depending on </a:t>
-            </a:r>
-            <a:r>
-              <a:rPr lang="en-US" dirty="0" err="1" smtClean="0"/>
-              <a:t>BoundingBox</a:t>
-            </a:r>
-            <a:r>
-              <a:rPr lang="en-US" dirty="0" smtClean="0"/>
-              <a:t>).</a:t>
-            </a:r>
+            <a:endParaRPr lang="en-US" dirty="0" smtClean="0"/>
           </a:p>
           <a:p>
             <a:pPr lvl="1" algn="l" rtl="0"/>
-            <a:r>
-              <a:rPr lang="en-US" dirty="0" smtClean="0"/>
-              <a:t>While !</a:t>
-            </a:r>
-            <a:r>
-              <a:rPr lang="en-US" dirty="0" err="1" smtClean="0"/>
-              <a:t>schemeFound</a:t>
-            </a:r>
             <a:endParaRPr lang="en-US" dirty="0" smtClean="0"/>
           </a:p>
           <a:p>
-            <a:pPr lvl="2" algn="l" rtl="0"/>
-            <a:r>
-              <a:rPr lang="en-US" dirty="0" smtClean="0"/>
-              <a:t>Choose a scheme</a:t>
-            </a:r>
-          </a:p>
-          <a:p>
-            <a:pPr lvl="2" algn="l" rtl="0"/>
-            <a:r>
-              <a:rPr lang="en-US" dirty="0" smtClean="0"/>
-              <a:t>Try to put photos in the appropriate empty space, in accordance with its </a:t>
-            </a:r>
-            <a:r>
-              <a:rPr lang="en-US" dirty="0" err="1" smtClean="0"/>
-              <a:t>loction</a:t>
-            </a:r>
-            <a:r>
-              <a:rPr lang="en-US" dirty="0" smtClean="0"/>
-              <a:t> in the sliced matrix. The reason is that we want to prevent </a:t>
-            </a:r>
-            <a:r>
-              <a:rPr lang="en-US" dirty="0" err="1" smtClean="0"/>
-              <a:t>overlpping</a:t>
-            </a:r>
-            <a:r>
-              <a:rPr lang="en-US" dirty="0" smtClean="0"/>
-              <a:t> arrows as much as possible. HOW? God knows.</a:t>
-            </a:r>
-          </a:p>
-          <a:p>
-            <a:pPr lvl="2" algn="l" rtl="0"/>
-            <a:r>
-              <a:rPr lang="en-US" b="1" dirty="0" smtClean="0"/>
-              <a:t>We prefer no overlapping </a:t>
-            </a:r>
-            <a:r>
-              <a:rPr lang="en-US" dirty="0" smtClean="0"/>
-              <a:t>over having at least one photo from each Event. </a:t>
-            </a:r>
-          </a:p>
-          <a:p>
-            <a:pPr lvl="1" algn="l" rtl="0">
-              <a:buFontTx/>
-              <a:buChar char="-"/>
-            </a:pPr>
-            <a:r>
-              <a:rPr lang="en-US" dirty="0" smtClean="0"/>
-              <a:t>If </a:t>
-            </a:r>
-            <a:r>
-              <a:rPr lang="en-US" dirty="0" err="1" smtClean="0"/>
-              <a:t>schemeFound</a:t>
-            </a:r>
-            <a:endParaRPr lang="en-US" dirty="0" smtClean="0"/>
-          </a:p>
-          <a:p>
-            <a:pPr lvl="2" algn="l" rtl="0">
-              <a:buFontTx/>
-              <a:buChar char="-"/>
-            </a:pPr>
-            <a:r>
-              <a:rPr lang="en-US" dirty="0" smtClean="0"/>
-              <a:t>request map from </a:t>
-            </a:r>
-            <a:r>
-              <a:rPr lang="en-US" dirty="0" err="1" smtClean="0"/>
-              <a:t>bing</a:t>
-            </a:r>
-            <a:r>
-              <a:rPr lang="en-US" dirty="0" smtClean="0"/>
-              <a:t>, using the calculated </a:t>
-            </a:r>
-            <a:r>
-              <a:rPr lang="en-US" dirty="0" err="1" smtClean="0"/>
-              <a:t>boundingBox</a:t>
-            </a:r>
-            <a:r>
-              <a:rPr lang="en-US" dirty="0" smtClean="0"/>
-              <a:t>. Place the jpeg  in scheme.</a:t>
-            </a:r>
-          </a:p>
-          <a:p>
-            <a:pPr lvl="2" algn="l" rtl="0">
-              <a:buFontTx/>
-              <a:buChar char="-"/>
-            </a:pPr>
-            <a:r>
-              <a:rPr lang="en-US" dirty="0" smtClean="0"/>
-              <a:t>Draw  arrows to </a:t>
-            </a:r>
-            <a:r>
-              <a:rPr lang="en-US" dirty="0" smtClean="0"/>
-              <a:t>locations, </a:t>
-            </a:r>
-            <a:r>
-              <a:rPr lang="en-US" dirty="0" smtClean="0"/>
-              <a:t>using metadata from Bing about the </a:t>
-            </a:r>
-            <a:r>
-              <a:rPr lang="en-US" dirty="0" smtClean="0"/>
-              <a:t>photo</a:t>
-            </a:r>
-            <a:endParaRPr lang="en-US" dirty="0" smtClean="0"/>
+            <a:pPr lvl="1" algn="l" rtl="0"/>
+            <a:endParaRPr lang="he-IL" dirty="0"/>
           </a:p>
         </p:txBody>
       </p:sp>
@@ -6088,89 +6082,202 @@
         </p:nvSpPr>
         <p:spPr/>
         <p:txBody>
+          <a:bodyPr/>
+          <a:lstStyle/>
+          <a:p>
+            <a:r>
+              <a:rPr lang="en-US" dirty="0" smtClean="0"/>
+              <a:t>Map Generator</a:t>
+            </a:r>
+            <a:endParaRPr lang="he-IL" dirty="0"/>
+          </a:p>
+        </p:txBody>
+      </p:sp>
+      <p:sp>
+        <p:nvSpPr>
+          <p:cNvPr id="3" name="Content Placeholder 2"/>
+          <p:cNvSpPr>
+            <a:spLocks noGrp="1"/>
+          </p:cNvSpPr>
+          <p:nvPr>
+            <p:ph idx="1"/>
+          </p:nvPr>
+        </p:nvSpPr>
+        <p:spPr/>
+        <p:txBody>
           <a:bodyPr>
-            <a:normAutofit fontScale="90000"/>
+            <a:normAutofit fontScale="62500" lnSpcReduction="20000"/>
           </a:bodyPr>
           <a:lstStyle/>
           <a:p>
-            <a:r>
-              <a:rPr lang="en-US" dirty="0" smtClean="0"/>
-              <a:t>Requests From Collage Generator To Activation Manager</a:t>
-            </a:r>
-            <a:endParaRPr lang="he-IL" dirty="0"/>
-          </a:p>
-        </p:txBody>
-      </p:sp>
-      <p:sp>
-        <p:nvSpPr>
-          <p:cNvPr id="3" name="Content Placeholder 2"/>
-          <p:cNvSpPr>
-            <a:spLocks noGrp="1"/>
-          </p:cNvSpPr>
-          <p:nvPr>
-            <p:ph idx="1"/>
-          </p:nvPr>
-        </p:nvSpPr>
-        <p:spPr/>
-        <p:txBody>
-          <a:bodyPr/>
-          <a:lstStyle/>
-          <a:p>
             <a:pPr algn="l" rtl="0"/>
             <a:r>
               <a:rPr lang="en-US" dirty="0" smtClean="0"/>
+              <a:t>Input: </a:t>
+            </a:r>
+          </a:p>
+          <a:p>
+            <a:pPr lvl="1" algn="l" rtl="0"/>
+            <a:r>
+              <a:rPr lang="en-US" dirty="0" smtClean="0"/>
+              <a:t>List&lt;Event&gt; from candidate selector</a:t>
+            </a:r>
+          </a:p>
+          <a:p>
+            <a:pPr algn="l" rtl="0"/>
+            <a:r>
+              <a:rPr lang="en-US" dirty="0" smtClean="0"/>
+              <a:t>Flow:</a:t>
+            </a:r>
+          </a:p>
+          <a:p>
+            <a:pPr algn="l" rtl="0"/>
+            <a:r>
+              <a:rPr lang="en-US" dirty="0" smtClean="0"/>
+              <a:t>- check for event with 0 photos </a:t>
+            </a:r>
+            <a:r>
+              <a:rPr lang="en-US" dirty="0" smtClean="0">
+                <a:sym typeface="Wingdings" pitchFamily="2" charset="2"/>
+              </a:rPr>
+              <a:t> update activation manager, and finish.</a:t>
+            </a:r>
+            <a:endParaRPr lang="en-US" dirty="0" smtClean="0"/>
+          </a:p>
+          <a:p>
+            <a:pPr lvl="1" algn="l" rtl="0"/>
+            <a:r>
+              <a:rPr lang="en-US" dirty="0" smtClean="0"/>
+              <a:t>Calculate </a:t>
+            </a:r>
+            <a:r>
+              <a:rPr lang="en-US" dirty="0" err="1" smtClean="0"/>
+              <a:t>BoundingBox</a:t>
+            </a:r>
+            <a:r>
+              <a:rPr lang="en-US" dirty="0" smtClean="0"/>
+              <a:t> of all locations, slice it into SIZE X SIZE cells (each cell has a fixed range on (</a:t>
+            </a:r>
+            <a:r>
+              <a:rPr lang="en-US" dirty="0" err="1" smtClean="0"/>
+              <a:t>x,y</a:t>
+            </a:r>
+            <a:r>
+              <a:rPr lang="en-US" dirty="0" smtClean="0"/>
+              <a:t>), depending on </a:t>
+            </a:r>
+            <a:r>
+              <a:rPr lang="en-US" dirty="0" err="1" smtClean="0"/>
+              <a:t>BoundingBox</a:t>
+            </a:r>
+            <a:r>
+              <a:rPr lang="en-US" dirty="0" smtClean="0"/>
+              <a:t>).</a:t>
+            </a:r>
+          </a:p>
+          <a:p>
+            <a:pPr lvl="1" algn="l" rtl="0"/>
+            <a:r>
+              <a:rPr lang="en-US" dirty="0" smtClean="0"/>
+              <a:t>While !</a:t>
+            </a:r>
+            <a:r>
+              <a:rPr lang="en-US" dirty="0" err="1" smtClean="0"/>
+              <a:t>schemeFound</a:t>
+            </a:r>
+            <a:endParaRPr lang="en-US" dirty="0" smtClean="0"/>
+          </a:p>
+          <a:p>
+            <a:pPr lvl="2" algn="l" rtl="0"/>
+            <a:r>
+              <a:rPr lang="en-US" dirty="0" smtClean="0"/>
+              <a:t>Choose a scheme</a:t>
+            </a:r>
+          </a:p>
+          <a:p>
+            <a:pPr lvl="2" algn="l" rtl="0"/>
+            <a:r>
+              <a:rPr lang="en-US" dirty="0" smtClean="0"/>
+              <a:t>Try to put photos in the appropriate empty space, in accordance with its </a:t>
+            </a:r>
+            <a:r>
+              <a:rPr lang="en-US" dirty="0" err="1" smtClean="0"/>
+              <a:t>loction</a:t>
+            </a:r>
+            <a:r>
+              <a:rPr lang="en-US" dirty="0" smtClean="0"/>
+              <a:t> in the sliced matrix. The reason is that we want to prevent </a:t>
+            </a:r>
+            <a:r>
+              <a:rPr lang="en-US" dirty="0" err="1" smtClean="0"/>
+              <a:t>overlpping</a:t>
+            </a:r>
+            <a:r>
+              <a:rPr lang="en-US" dirty="0" smtClean="0"/>
+              <a:t> arrows as much as possible. HOW? God knows.</a:t>
+            </a:r>
+          </a:p>
+          <a:p>
+            <a:pPr lvl="2" algn="l" rtl="0"/>
+            <a:r>
+              <a:rPr lang="en-US" b="1" dirty="0" smtClean="0"/>
+              <a:t>We prefer no overlapping </a:t>
+            </a:r>
+            <a:r>
+              <a:rPr lang="en-US" dirty="0" smtClean="0"/>
+              <a:t>over having at least one photo from each Event. </a:t>
+            </a:r>
+          </a:p>
+          <a:p>
+            <a:pPr lvl="1" algn="l" rtl="0">
+              <a:buFontTx/>
+              <a:buChar char="-"/>
+            </a:pPr>
+            <a:r>
+              <a:rPr lang="en-US" dirty="0" smtClean="0"/>
               <a:t>If </a:t>
             </a:r>
             <a:r>
-              <a:rPr lang="en-US" dirty="0" smtClean="0"/>
-              <a:t>!</a:t>
-            </a:r>
-            <a:r>
               <a:rPr lang="en-US" dirty="0" err="1" smtClean="0"/>
-              <a:t>FinishedSuccesfully</a:t>
-            </a:r>
-            <a:r>
-              <a:rPr lang="en-US" dirty="0" smtClean="0"/>
-              <a:t> </a:t>
-            </a:r>
-          </a:p>
-          <a:p>
-            <a:pPr lvl="1" algn="l" rtl="0"/>
-            <a:r>
-              <a:rPr lang="en-US" dirty="0" smtClean="0"/>
-              <a:t>Update Activation Manager with number of Horizontal/vertical  </a:t>
-            </a:r>
-            <a:r>
-              <a:rPr lang="en-US" dirty="0" smtClean="0"/>
-              <a:t>number of photos </a:t>
-            </a:r>
-            <a:r>
-              <a:rPr lang="en-US" dirty="0" smtClean="0"/>
-              <a:t>needed, and finish.</a:t>
+              <a:t>schemeFound</a:t>
             </a:r>
             <a:endParaRPr lang="en-US" dirty="0" smtClean="0"/>
           </a:p>
           <a:p>
-            <a:pPr algn="l" rtl="0"/>
-            <a:r>
-              <a:rPr lang="en-US" dirty="0" smtClean="0"/>
-              <a:t>Request:</a:t>
-            </a:r>
-          </a:p>
-          <a:p>
-            <a:pPr lvl="1" algn="l" rtl="0">
-              <a:buNone/>
+            <a:pPr lvl="2" algn="l" rtl="0">
+              <a:buFontTx/>
+              <a:buChar char="-"/>
             </a:pPr>
             <a:r>
               <a:rPr lang="en-US" dirty="0" smtClean="0"/>
-              <a:t>List&lt;Photo&gt; </a:t>
-            </a:r>
-          </a:p>
-          <a:p>
-            <a:pPr lvl="1" algn="l" rtl="0">
-              <a:buNone/>
+              <a:t>request map from </a:t>
+            </a:r>
+            <a:r>
+              <a:rPr lang="en-US" dirty="0" err="1" smtClean="0"/>
+              <a:t>bing</a:t>
+            </a:r>
+            <a:r>
+              <a:rPr lang="en-US" dirty="0" smtClean="0"/>
+              <a:t>, using the calculated </a:t>
+            </a:r>
+            <a:r>
+              <a:rPr lang="en-US" dirty="0" err="1" smtClean="0"/>
+              <a:t>boundingBox</a:t>
+            </a:r>
+            <a:r>
+              <a:rPr lang="en-US" dirty="0" smtClean="0"/>
+              <a:t>. Place the jpeg  in scheme.</a:t>
+            </a:r>
+          </a:p>
+          <a:p>
+            <a:pPr lvl="2" algn="l" rtl="0">
+              <a:buFontTx/>
+              <a:buChar char="-"/>
             </a:pPr>
-            <a:endParaRPr lang="en-US" dirty="0" smtClean="0"/>
+            <a:r>
+              <a:rPr lang="en-US" dirty="0" smtClean="0"/>
+              <a:t>Draw  arrows to locations, using metadata from Bing about the photo</a:t>
+            </a:r>
           </a:p>
         </p:txBody>
       </p:sp>
@@ -6211,118 +6318,76 @@
         </p:nvSpPr>
         <p:spPr/>
         <p:txBody>
+          <a:bodyPr>
+            <a:normAutofit fontScale="90000"/>
+          </a:bodyPr>
+          <a:lstStyle/>
+          <a:p>
+            <a:r>
+              <a:rPr lang="en-US" dirty="0" smtClean="0"/>
+              <a:t>Requests From Collage Generator To Activation Manager</a:t>
+            </a:r>
+            <a:endParaRPr lang="he-IL" dirty="0"/>
+          </a:p>
+        </p:txBody>
+      </p:sp>
+      <p:sp>
+        <p:nvSpPr>
+          <p:cNvPr id="3" name="Content Placeholder 2"/>
+          <p:cNvSpPr>
+            <a:spLocks noGrp="1"/>
+          </p:cNvSpPr>
+          <p:nvPr>
+            <p:ph idx="1"/>
+          </p:nvPr>
+        </p:nvSpPr>
+        <p:spPr/>
+        <p:txBody>
           <a:bodyPr/>
           <a:lstStyle/>
           <a:p>
-            <a:r>
-              <a:rPr lang="en-US" dirty="0" smtClean="0"/>
-              <a:t>Photo</a:t>
-            </a:r>
-            <a:endParaRPr lang="he-IL" dirty="0"/>
-          </a:p>
-        </p:txBody>
-      </p:sp>
-      <p:sp>
-        <p:nvSpPr>
-          <p:cNvPr id="3" name="Content Placeholder 2"/>
-          <p:cNvSpPr>
-            <a:spLocks noGrp="1"/>
-          </p:cNvSpPr>
-          <p:nvPr>
-            <p:ph idx="1"/>
-          </p:nvPr>
-        </p:nvSpPr>
-        <p:spPr/>
-        <p:txBody>
-          <a:bodyPr/>
-          <a:lstStyle/>
-          <a:p>
             <a:pPr algn="l" rtl="0"/>
             <a:r>
               <a:rPr lang="en-US" dirty="0" smtClean="0"/>
-              <a:t>Time</a:t>
+              <a:t>If !</a:t>
+            </a:r>
+            <a:r>
+              <a:rPr lang="en-US" dirty="0" err="1" smtClean="0"/>
+              <a:t>FinishedSuccesfully</a:t>
+            </a:r>
+            <a:r>
+              <a:rPr lang="en-US" dirty="0" smtClean="0"/>
+              <a:t> </a:t>
+            </a:r>
+          </a:p>
+          <a:p>
+            <a:pPr lvl="1" algn="l" rtl="0"/>
+            <a:r>
+              <a:rPr lang="en-US" dirty="0" smtClean="0"/>
+              <a:t>Update Activation Manager with number of Horizontal/vertical  number of photos needed, and finish.</a:t>
             </a:r>
           </a:p>
           <a:p>
             <a:pPr algn="l" rtl="0"/>
             <a:r>
-              <a:rPr lang="en-US" dirty="0" err="1" smtClean="0"/>
-              <a:t>Coordintion</a:t>
-            </a:r>
-            <a:r>
-              <a:rPr lang="en-US" dirty="0" smtClean="0"/>
-              <a:t> </a:t>
-            </a:r>
-            <a:r>
-              <a:rPr lang="en-US" dirty="0" smtClean="0"/>
-              <a:t>(</a:t>
-            </a:r>
-            <a:r>
-              <a:rPr lang="en-US" dirty="0" err="1" smtClean="0"/>
-              <a:t>lat,long</a:t>
-            </a:r>
-            <a:r>
-              <a:rPr lang="en-US" dirty="0" smtClean="0"/>
-              <a:t>)</a:t>
-            </a:r>
-          </a:p>
-          <a:p>
-            <a:pPr algn="l" rtl="0"/>
-            <a:r>
-              <a:rPr lang="en-US" dirty="0" err="1" smtClean="0"/>
-              <a:t>Bool</a:t>
-            </a:r>
-            <a:r>
-              <a:rPr lang="en-US" dirty="0" smtClean="0"/>
-              <a:t> </a:t>
-            </a:r>
-            <a:r>
-              <a:rPr lang="en-US" dirty="0" err="1" smtClean="0"/>
-              <a:t>isHorizantal</a:t>
-            </a:r>
+              <a:rPr lang="en-US" dirty="0" smtClean="0"/>
+              <a:t>Request:</a:t>
+            </a:r>
+          </a:p>
+          <a:p>
+            <a:pPr lvl="1" algn="l" rtl="0">
+              <a:buNone/>
+            </a:pPr>
+            <a:r>
+              <a:rPr lang="en-US" dirty="0" smtClean="0"/>
+              <a:t>List&lt;Photo&gt; </a:t>
+            </a:r>
+          </a:p>
+          <a:p>
+            <a:pPr lvl="1" algn="l" rtl="0">
+              <a:buNone/>
+            </a:pPr>
             <a:endParaRPr lang="en-US" dirty="0" smtClean="0"/>
-          </a:p>
-          <a:p>
-            <a:pPr algn="l" rtl="0"/>
-            <a:r>
-              <a:rPr lang="en-US" dirty="0" err="1" smtClean="0"/>
-              <a:t>PhotoData</a:t>
-            </a:r>
-            <a:endParaRPr lang="en-US" dirty="0" smtClean="0"/>
-          </a:p>
-          <a:p>
-            <a:pPr algn="l" rtl="0"/>
-            <a:r>
-              <a:rPr lang="en-US" dirty="0" err="1" smtClean="0"/>
-              <a:t>LinkedEvent</a:t>
-            </a:r>
-            <a:endParaRPr lang="en-US" dirty="0" smtClean="0"/>
-          </a:p>
-          <a:p>
-            <a:pPr algn="l" rtl="0"/>
-            <a:r>
-              <a:rPr lang="en-US" dirty="0" smtClean="0"/>
-              <a:t>Collage (==null if not placed yet) – optional</a:t>
-            </a:r>
-          </a:p>
-          <a:p>
-            <a:pPr algn="l" rtl="0"/>
-            <a:r>
-              <a:rPr lang="en-US" dirty="0" smtClean="0"/>
-              <a:t>Quality </a:t>
-            </a:r>
-          </a:p>
-          <a:p>
-            <a:pPr algn="l" rtl="0"/>
-            <a:endParaRPr lang="en-US" dirty="0" smtClean="0"/>
-          </a:p>
-          <a:p>
-            <a:pPr algn="l" rtl="0"/>
-            <a:endParaRPr lang="en-US" dirty="0" smtClean="0"/>
-          </a:p>
-          <a:p>
-            <a:pPr algn="l" rtl="0"/>
-            <a:endParaRPr lang="he-IL" dirty="0"/>
           </a:p>
         </p:txBody>
       </p:sp>
@@ -6368,7 +6433,7 @@
           <a:p>
             <a:r>
               <a:rPr lang="en-US" dirty="0" smtClean="0"/>
-              <a:t>Event</a:t>
+              <a:t>Photo</a:t>
             </a:r>
             <a:endParaRPr lang="he-IL" dirty="0"/>
           </a:p>
@@ -6386,50 +6451,63 @@
         </p:nvSpPr>
         <p:spPr/>
         <p:txBody>
-          <a:bodyPr>
-            <a:normAutofit lnSpcReduction="10000"/>
-          </a:bodyPr>
+          <a:bodyPr/>
           <a:lstStyle/>
           <a:p>
             <a:pPr algn="l" rtl="0"/>
             <a:r>
               <a:rPr lang="en-US" dirty="0" smtClean="0"/>
-              <a:t>List&lt;Photo&gt;</a:t>
+              <a:t>Time</a:t>
             </a:r>
           </a:p>
           <a:p>
             <a:pPr algn="l" rtl="0"/>
             <a:r>
-              <a:rPr lang="en-US" dirty="0" smtClean="0"/>
-              <a:t>Time </a:t>
-            </a:r>
-            <a:r>
               <a:rPr lang="en-US" dirty="0" err="1" smtClean="0"/>
-              <a:t>totalTime</a:t>
+              <a:t>Coordintion</a:t>
+            </a:r>
+            <a:r>
+              <a:rPr lang="en-US" dirty="0" smtClean="0"/>
+              <a:t> (</a:t>
+            </a:r>
+            <a:r>
+              <a:rPr lang="en-US" dirty="0" err="1" smtClean="0"/>
+              <a:t>lat,long</a:t>
+            </a:r>
+            <a:r>
+              <a:rPr lang="en-US" dirty="0" smtClean="0"/>
+              <a:t>)</a:t>
+            </a:r>
+          </a:p>
+          <a:p>
+            <a:pPr algn="l" rtl="0"/>
+            <a:r>
+              <a:rPr lang="en-US" dirty="0" err="1" smtClean="0"/>
+              <a:t>Bool</a:t>
+            </a:r>
+            <a:r>
+              <a:rPr lang="en-US" dirty="0" smtClean="0"/>
+              <a:t> </a:t>
+            </a:r>
+            <a:r>
+              <a:rPr lang="en-US" dirty="0" err="1" smtClean="0"/>
+              <a:t>isHorizantal</a:t>
             </a:r>
             <a:endParaRPr lang="en-US" dirty="0" smtClean="0"/>
           </a:p>
           <a:p>
             <a:pPr algn="l" rtl="0"/>
             <a:r>
-              <a:rPr lang="en-US" dirty="0" smtClean="0"/>
-              <a:t>Time </a:t>
-            </a:r>
-            <a:r>
               <a:rPr lang="en-US" dirty="0" err="1" smtClean="0"/>
-              <a:t>firstPhotoTime</a:t>
+              <a:t>PhotoData</a:t>
             </a:r>
             <a:endParaRPr lang="en-US" dirty="0" smtClean="0"/>
           </a:p>
           <a:p>
             <a:pPr algn="l" rtl="0"/>
             <a:r>
-              <a:rPr lang="en-US" dirty="0" smtClean="0"/>
-              <a:t>Time </a:t>
-            </a:r>
-            <a:r>
               <a:rPr lang="en-US" dirty="0" err="1" smtClean="0"/>
-              <a:t>lastPhotoTime</a:t>
+              <a:t>LinkedEvent</a:t>
             </a:r>
             <a:endParaRPr lang="en-US" dirty="0" smtClean="0"/>
           </a:p>
@@ -6437,76 +6515,27 @@
             <a:pPr algn="l" rtl="0"/>
             <a:r>
               <a:rPr lang="en-US" dirty="0" smtClean="0"/>
-              <a:t>Location </a:t>
-            </a:r>
-            <a:r>
-              <a:rPr lang="en-US" dirty="0" err="1" smtClean="0"/>
-              <a:t>centerPoint</a:t>
-            </a:r>
+              <a:t>Collage (==null if not placed yet) – optional</a:t>
+            </a:r>
+          </a:p>
+          <a:p>
+            <a:pPr algn="l" rtl="0"/>
+            <a:r>
+              <a:rPr lang="en-US" dirty="0" smtClean="0"/>
+              <a:t>Quality </a:t>
+            </a:r>
+          </a:p>
+          <a:p>
+            <a:pPr algn="l" rtl="0"/>
             <a:endParaRPr lang="en-US" dirty="0" smtClean="0"/>
           </a:p>
           <a:p>
             <a:pPr algn="l" rtl="0"/>
-            <a:r>
-              <a:rPr lang="en-US" dirty="0" smtClean="0"/>
-              <a:t>Location </a:t>
-            </a:r>
-            <a:r>
-              <a:rPr lang="en-US" dirty="0" err="1" smtClean="0"/>
-              <a:t>BoundingBox</a:t>
-            </a:r>
-            <a:r>
-              <a:rPr lang="en-US" dirty="0" smtClean="0"/>
-              <a:t> (</a:t>
-            </a:r>
-            <a:r>
-              <a:rPr lang="en-US" dirty="0" err="1" smtClean="0"/>
-              <a:t>TopLeft</a:t>
-            </a:r>
-            <a:r>
-              <a:rPr lang="en-US" dirty="0" smtClean="0"/>
-              <a:t>, </a:t>
-            </a:r>
-            <a:r>
-              <a:rPr lang="en-US" dirty="0" err="1" smtClean="0"/>
-              <a:t>BottomRight</a:t>
-            </a:r>
-            <a:r>
-              <a:rPr lang="en-US" dirty="0" smtClean="0"/>
-              <a:t>)</a:t>
-            </a:r>
+            <a:endParaRPr lang="en-US" dirty="0" smtClean="0"/>
           </a:p>
           <a:p>
             <a:pPr algn="l" rtl="0"/>
-            <a:r>
-              <a:rPr lang="en-US" dirty="0" err="1" smtClean="0"/>
-              <a:t>Int</a:t>
-            </a:r>
-            <a:r>
-              <a:rPr lang="en-US" dirty="0" smtClean="0"/>
-              <a:t> </a:t>
-            </a:r>
-            <a:r>
-              <a:rPr lang="en-US" dirty="0" err="1" smtClean="0"/>
-              <a:t>horizontalPhotoCount</a:t>
-            </a:r>
-            <a:endParaRPr lang="en-US" dirty="0" smtClean="0"/>
-          </a:p>
-          <a:p>
-            <a:pPr algn="l" rtl="0"/>
-            <a:r>
-              <a:rPr lang="en-US" dirty="0" err="1" smtClean="0"/>
-              <a:t>Int</a:t>
-            </a:r>
-            <a:r>
-              <a:rPr lang="en-US" dirty="0" smtClean="0"/>
-              <a:t> </a:t>
-            </a:r>
-            <a:r>
-              <a:rPr lang="en-US" dirty="0" err="1" smtClean="0"/>
-              <a:t>verticalPhotoCount</a:t>
-            </a:r>
-            <a:endParaRPr lang="en-US" dirty="0" smtClean="0"/>
+            <a:endParaRPr lang="he-IL" dirty="0"/>
           </a:p>
         </p:txBody>
       </p:sp>
